--- a/튜터링 6주차.pptx
+++ b/튜터링 6주차.pptx
@@ -24,6 +24,17 @@
     <p:sldId id="271" r:id="rId21"/>
     <p:sldId id="272" r:id="rId22"/>
     <p:sldId id="274" r:id="rId23"/>
+    <p:sldId id="275" r:id="rId24"/>
+    <p:sldId id="276" r:id="rId25"/>
+    <p:sldId id="277" r:id="rId26"/>
+    <p:sldId id="278" r:id="rId27"/>
+    <p:sldId id="279" r:id="rId28"/>
+    <p:sldId id="281" r:id="rId29"/>
+    <p:sldId id="280" r:id="rId30"/>
+    <p:sldId id="282" r:id="rId31"/>
+    <p:sldId id="283" r:id="rId32"/>
+    <p:sldId id="284" r:id="rId33"/>
+    <p:sldId id="285" r:id="rId34"/>
   </p:sldIdLst>
   <p:sldSz cx="12192000" cy="6858000"/>
   <p:notesSz cx="6858000" cy="9144000"/>
@@ -133,7 +144,7 @@
 <file path=ppt/revisionInfo.xml><?xml version="1.0" encoding="utf-8"?>
 <p1510:revInfo xmlns:a="http://schemas.openxmlformats.org/drawingml/2006/main" xmlns:r="http://schemas.openxmlformats.org/officeDocument/2006/relationships" xmlns:p1510="http://schemas.microsoft.com/office/powerpoint/2015/10/main">
   <p1510:revLst>
-    <p1510:client id="{14AC928C-EA59-47D3-A066-6E52F59799A4}" v="43" dt="2020-05-26T15:14:59.917"/>
+    <p1510:client id="{14AC928C-EA59-47D3-A066-6E52F59799A4}" v="265" dt="2020-05-26T16:58:57.124"/>
   </p1510:revLst>
 </p1510:revInfo>
 </file>
@@ -142,11 +153,26 @@
 <pc:chgInfo xmlns:a="http://schemas.openxmlformats.org/drawingml/2006/main" xmlns:r="http://schemas.openxmlformats.org/officeDocument/2006/relationships" xmlns:ac="http://schemas.microsoft.com/office/drawing/2013/main/command" xmlns:pc="http://schemas.microsoft.com/office/powerpoint/2013/main/command">
   <pc:docChgLst>
     <pc:chgData name=" " userId="caedbcbc-edcc-483d-a2c9-4cbd3f631e14" providerId="ADAL" clId="{14AC928C-EA59-47D3-A066-6E52F59799A4}"/>
-    <pc:docChg chg="undo custSel addSld delSld modSld">
-      <pc:chgData name=" " userId="caedbcbc-edcc-483d-a2c9-4cbd3f631e14" providerId="ADAL" clId="{14AC928C-EA59-47D3-A066-6E52F59799A4}" dt="2020-05-26T15:36:31.243" v="357" actId="2696"/>
+    <pc:docChg chg="undo custSel addSld delSld modSld sldOrd">
+      <pc:chgData name=" " userId="caedbcbc-edcc-483d-a2c9-4cbd3f631e14" providerId="ADAL" clId="{14AC928C-EA59-47D3-A066-6E52F59799A4}" dt="2020-05-26T16:59:02.887" v="2870" actId="20577"/>
       <pc:docMkLst>
         <pc:docMk/>
       </pc:docMkLst>
+      <pc:sldChg chg="modSp">
+        <pc:chgData name=" " userId="caedbcbc-edcc-483d-a2c9-4cbd3f631e14" providerId="ADAL" clId="{14AC928C-EA59-47D3-A066-6E52F59799A4}" dt="2020-05-26T16:37:01.546" v="380"/>
+        <pc:sldMkLst>
+          <pc:docMk/>
+          <pc:sldMk cId="2101367981" sldId="256"/>
+        </pc:sldMkLst>
+        <pc:spChg chg="mod">
+          <ac:chgData name=" " userId="caedbcbc-edcc-483d-a2c9-4cbd3f631e14" providerId="ADAL" clId="{14AC928C-EA59-47D3-A066-6E52F59799A4}" dt="2020-05-26T16:37:01.546" v="380"/>
+          <ac:spMkLst>
+            <pc:docMk/>
+            <pc:sldMk cId="2101367981" sldId="256"/>
+            <ac:spMk id="2" creationId="{1AA99017-B576-43A5-B630-7820CCAD9365}"/>
+          </ac:spMkLst>
+        </pc:spChg>
+      </pc:sldChg>
       <pc:sldChg chg="addSp delSp modSp">
         <pc:chgData name=" " userId="caedbcbc-edcc-483d-a2c9-4cbd3f631e14" providerId="ADAL" clId="{14AC928C-EA59-47D3-A066-6E52F59799A4}" dt="2020-05-26T09:02:32.169" v="89" actId="1076"/>
         <pc:sldMkLst>
@@ -547,6 +573,370 @@
           <pc:sldMk cId="1701844646" sldId="275"/>
         </pc:sldMkLst>
       </pc:sldChg>
+      <pc:sldChg chg="modSp add">
+        <pc:chgData name=" " userId="caedbcbc-edcc-483d-a2c9-4cbd3f631e14" providerId="ADAL" clId="{14AC928C-EA59-47D3-A066-6E52F59799A4}" dt="2020-05-26T16:39:34.673" v="893" actId="20577"/>
+        <pc:sldMkLst>
+          <pc:docMk/>
+          <pc:sldMk cId="4070373235" sldId="275"/>
+        </pc:sldMkLst>
+        <pc:spChg chg="mod">
+          <ac:chgData name=" " userId="caedbcbc-edcc-483d-a2c9-4cbd3f631e14" providerId="ADAL" clId="{14AC928C-EA59-47D3-A066-6E52F59799A4}" dt="2020-05-26T16:37:50.185" v="394"/>
+          <ac:spMkLst>
+            <pc:docMk/>
+            <pc:sldMk cId="4070373235" sldId="275"/>
+            <ac:spMk id="2" creationId="{B02AEB5A-058E-466C-9D94-369F5404E651}"/>
+          </ac:spMkLst>
+        </pc:spChg>
+        <pc:spChg chg="mod">
+          <ac:chgData name=" " userId="caedbcbc-edcc-483d-a2c9-4cbd3f631e14" providerId="ADAL" clId="{14AC928C-EA59-47D3-A066-6E52F59799A4}" dt="2020-05-26T16:39:34.673" v="893" actId="20577"/>
+          <ac:spMkLst>
+            <pc:docMk/>
+            <pc:sldMk cId="4070373235" sldId="275"/>
+            <ac:spMk id="3" creationId="{A3A03172-492F-4DF9-A1CE-297AD9225BCD}"/>
+          </ac:spMkLst>
+        </pc:spChg>
+      </pc:sldChg>
+      <pc:sldChg chg="addSp delSp modSp add">
+        <pc:chgData name=" " userId="caedbcbc-edcc-483d-a2c9-4cbd3f631e14" providerId="ADAL" clId="{14AC928C-EA59-47D3-A066-6E52F59799A4}" dt="2020-05-26T16:42:46.100" v="1030" actId="20577"/>
+        <pc:sldMkLst>
+          <pc:docMk/>
+          <pc:sldMk cId="1933313585" sldId="276"/>
+        </pc:sldMkLst>
+        <pc:spChg chg="del">
+          <ac:chgData name=" " userId="caedbcbc-edcc-483d-a2c9-4cbd3f631e14" providerId="ADAL" clId="{14AC928C-EA59-47D3-A066-6E52F59799A4}" dt="2020-05-26T16:42:16.580" v="895" actId="478"/>
+          <ac:spMkLst>
+            <pc:docMk/>
+            <pc:sldMk cId="1933313585" sldId="276"/>
+            <ac:spMk id="3" creationId="{A3A03172-492F-4DF9-A1CE-297AD9225BCD}"/>
+          </ac:spMkLst>
+        </pc:spChg>
+        <pc:spChg chg="add del mod">
+          <ac:chgData name=" " userId="caedbcbc-edcc-483d-a2c9-4cbd3f631e14" providerId="ADAL" clId="{14AC928C-EA59-47D3-A066-6E52F59799A4}" dt="2020-05-26T16:42:18.580" v="896" actId="478"/>
+          <ac:spMkLst>
+            <pc:docMk/>
+            <pc:sldMk cId="1933313585" sldId="276"/>
+            <ac:spMk id="5" creationId="{91587520-F99D-4B60-8F02-ECCDAB32033F}"/>
+          </ac:spMkLst>
+        </pc:spChg>
+        <pc:spChg chg="add mod">
+          <ac:chgData name=" " userId="caedbcbc-edcc-483d-a2c9-4cbd3f631e14" providerId="ADAL" clId="{14AC928C-EA59-47D3-A066-6E52F59799A4}" dt="2020-05-26T16:42:46.100" v="1030" actId="20577"/>
+          <ac:spMkLst>
+            <pc:docMk/>
+            <pc:sldMk cId="1933313585" sldId="276"/>
+            <ac:spMk id="7" creationId="{56EDBCF8-1511-4147-8FC2-BBD24F2FBC7A}"/>
+          </ac:spMkLst>
+        </pc:spChg>
+        <pc:picChg chg="add mod">
+          <ac:chgData name=" " userId="caedbcbc-edcc-483d-a2c9-4cbd3f631e14" providerId="ADAL" clId="{14AC928C-EA59-47D3-A066-6E52F59799A4}" dt="2020-05-26T16:42:21.609" v="898" actId="1076"/>
+          <ac:picMkLst>
+            <pc:docMk/>
+            <pc:sldMk cId="1933313585" sldId="276"/>
+            <ac:picMk id="6" creationId="{B07F4AEE-91DC-446E-955B-F23CF1A88561}"/>
+          </ac:picMkLst>
+        </pc:picChg>
+      </pc:sldChg>
+      <pc:sldChg chg="add">
+        <pc:chgData name=" " userId="caedbcbc-edcc-483d-a2c9-4cbd3f631e14" providerId="ADAL" clId="{14AC928C-EA59-47D3-A066-6E52F59799A4}" dt="2020-05-26T16:42:48.321" v="1031"/>
+        <pc:sldMkLst>
+          <pc:docMk/>
+          <pc:sldMk cId="2013172710" sldId="277"/>
+        </pc:sldMkLst>
+      </pc:sldChg>
+      <pc:sldChg chg="addSp delSp modSp add">
+        <pc:chgData name=" " userId="caedbcbc-edcc-483d-a2c9-4cbd3f631e14" providerId="ADAL" clId="{14AC928C-EA59-47D3-A066-6E52F59799A4}" dt="2020-05-26T16:45:47.550" v="1264" actId="1076"/>
+        <pc:sldMkLst>
+          <pc:docMk/>
+          <pc:sldMk cId="1606846323" sldId="278"/>
+        </pc:sldMkLst>
+        <pc:spChg chg="mod">
+          <ac:chgData name=" " userId="caedbcbc-edcc-483d-a2c9-4cbd3f631e14" providerId="ADAL" clId="{14AC928C-EA59-47D3-A066-6E52F59799A4}" dt="2020-05-26T16:44:33.065" v="1044"/>
+          <ac:spMkLst>
+            <pc:docMk/>
+            <pc:sldMk cId="1606846323" sldId="278"/>
+            <ac:spMk id="2" creationId="{B02AEB5A-058E-466C-9D94-369F5404E651}"/>
+          </ac:spMkLst>
+        </pc:spChg>
+        <pc:spChg chg="add mod">
+          <ac:chgData name=" " userId="caedbcbc-edcc-483d-a2c9-4cbd3f631e14" providerId="ADAL" clId="{14AC928C-EA59-47D3-A066-6E52F59799A4}" dt="2020-05-26T16:45:47.550" v="1264" actId="1076"/>
+          <ac:spMkLst>
+            <pc:docMk/>
+            <pc:sldMk cId="1606846323" sldId="278"/>
+            <ac:spMk id="4" creationId="{6D2F1A87-0507-485A-9C6D-391412C8BAF6}"/>
+          </ac:spMkLst>
+        </pc:spChg>
+        <pc:spChg chg="del">
+          <ac:chgData name=" " userId="caedbcbc-edcc-483d-a2c9-4cbd3f631e14" providerId="ADAL" clId="{14AC928C-EA59-47D3-A066-6E52F59799A4}" dt="2020-05-26T16:44:34.668" v="1046" actId="478"/>
+          <ac:spMkLst>
+            <pc:docMk/>
+            <pc:sldMk cId="1606846323" sldId="278"/>
+            <ac:spMk id="7" creationId="{56EDBCF8-1511-4147-8FC2-BBD24F2FBC7A}"/>
+          </ac:spMkLst>
+        </pc:spChg>
+        <pc:picChg chg="add mod">
+          <ac:chgData name=" " userId="caedbcbc-edcc-483d-a2c9-4cbd3f631e14" providerId="ADAL" clId="{14AC928C-EA59-47D3-A066-6E52F59799A4}" dt="2020-05-26T16:45:14.647" v="1049" actId="14100"/>
+          <ac:picMkLst>
+            <pc:docMk/>
+            <pc:sldMk cId="1606846323" sldId="278"/>
+            <ac:picMk id="3" creationId="{AB28E47E-9C31-423F-BA37-253BD0AE0321}"/>
+          </ac:picMkLst>
+        </pc:picChg>
+        <pc:picChg chg="del">
+          <ac:chgData name=" " userId="caedbcbc-edcc-483d-a2c9-4cbd3f631e14" providerId="ADAL" clId="{14AC928C-EA59-47D3-A066-6E52F59799A4}" dt="2020-05-26T16:44:33.535" v="1045" actId="478"/>
+          <ac:picMkLst>
+            <pc:docMk/>
+            <pc:sldMk cId="1606846323" sldId="278"/>
+            <ac:picMk id="6" creationId="{B07F4AEE-91DC-446E-955B-F23CF1A88561}"/>
+          </ac:picMkLst>
+        </pc:picChg>
+      </pc:sldChg>
+      <pc:sldChg chg="addSp delSp modSp add">
+        <pc:chgData name=" " userId="caedbcbc-edcc-483d-a2c9-4cbd3f631e14" providerId="ADAL" clId="{14AC928C-EA59-47D3-A066-6E52F59799A4}" dt="2020-05-26T16:47:24.997" v="1437" actId="1076"/>
+        <pc:sldMkLst>
+          <pc:docMk/>
+          <pc:sldMk cId="1029441661" sldId="279"/>
+        </pc:sldMkLst>
+        <pc:spChg chg="mod">
+          <ac:chgData name=" " userId="caedbcbc-edcc-483d-a2c9-4cbd3f631e14" providerId="ADAL" clId="{14AC928C-EA59-47D3-A066-6E52F59799A4}" dt="2020-05-26T16:46:36.024" v="1284" actId="20577"/>
+          <ac:spMkLst>
+            <pc:docMk/>
+            <pc:sldMk cId="1029441661" sldId="279"/>
+            <ac:spMk id="2" creationId="{B02AEB5A-058E-466C-9D94-369F5404E651}"/>
+          </ac:spMkLst>
+        </pc:spChg>
+        <pc:spChg chg="mod">
+          <ac:chgData name=" " userId="caedbcbc-edcc-483d-a2c9-4cbd3f631e14" providerId="ADAL" clId="{14AC928C-EA59-47D3-A066-6E52F59799A4}" dt="2020-05-26T16:47:00.374" v="1435" actId="20577"/>
+          <ac:spMkLst>
+            <pc:docMk/>
+            <pc:sldMk cId="1029441661" sldId="279"/>
+            <ac:spMk id="4" creationId="{6D2F1A87-0507-485A-9C6D-391412C8BAF6}"/>
+          </ac:spMkLst>
+        </pc:spChg>
+        <pc:picChg chg="del">
+          <ac:chgData name=" " userId="caedbcbc-edcc-483d-a2c9-4cbd3f631e14" providerId="ADAL" clId="{14AC928C-EA59-47D3-A066-6E52F59799A4}" dt="2020-05-26T16:46:37.056" v="1285" actId="478"/>
+          <ac:picMkLst>
+            <pc:docMk/>
+            <pc:sldMk cId="1029441661" sldId="279"/>
+            <ac:picMk id="3" creationId="{AB28E47E-9C31-423F-BA37-253BD0AE0321}"/>
+          </ac:picMkLst>
+        </pc:picChg>
+        <pc:picChg chg="add mod">
+          <ac:chgData name=" " userId="caedbcbc-edcc-483d-a2c9-4cbd3f631e14" providerId="ADAL" clId="{14AC928C-EA59-47D3-A066-6E52F59799A4}" dt="2020-05-26T16:47:24.997" v="1437" actId="1076"/>
+          <ac:picMkLst>
+            <pc:docMk/>
+            <pc:sldMk cId="1029441661" sldId="279"/>
+            <ac:picMk id="5" creationId="{8D839C98-6D6D-46D4-88BE-7D59C8722DF1}"/>
+          </ac:picMkLst>
+        </pc:picChg>
+      </pc:sldChg>
+      <pc:sldChg chg="delSp modSp add">
+        <pc:chgData name=" " userId="caedbcbc-edcc-483d-a2c9-4cbd3f631e14" providerId="ADAL" clId="{14AC928C-EA59-47D3-A066-6E52F59799A4}" dt="2020-05-26T16:49:20.486" v="1864" actId="20577"/>
+        <pc:sldMkLst>
+          <pc:docMk/>
+          <pc:sldMk cId="3234675577" sldId="280"/>
+        </pc:sldMkLst>
+        <pc:spChg chg="mod">
+          <ac:chgData name=" " userId="caedbcbc-edcc-483d-a2c9-4cbd3f631e14" providerId="ADAL" clId="{14AC928C-EA59-47D3-A066-6E52F59799A4}" dt="2020-05-26T16:48:35.504" v="1616"/>
+          <ac:spMkLst>
+            <pc:docMk/>
+            <pc:sldMk cId="3234675577" sldId="280"/>
+            <ac:spMk id="2" creationId="{B02AEB5A-058E-466C-9D94-369F5404E651}"/>
+          </ac:spMkLst>
+        </pc:spChg>
+        <pc:spChg chg="mod">
+          <ac:chgData name=" " userId="caedbcbc-edcc-483d-a2c9-4cbd3f631e14" providerId="ADAL" clId="{14AC928C-EA59-47D3-A066-6E52F59799A4}" dt="2020-05-26T16:49:20.486" v="1864" actId="20577"/>
+          <ac:spMkLst>
+            <pc:docMk/>
+            <pc:sldMk cId="3234675577" sldId="280"/>
+            <ac:spMk id="4" creationId="{6D2F1A87-0507-485A-9C6D-391412C8BAF6}"/>
+          </ac:spMkLst>
+        </pc:spChg>
+        <pc:picChg chg="del">
+          <ac:chgData name=" " userId="caedbcbc-edcc-483d-a2c9-4cbd3f631e14" providerId="ADAL" clId="{14AC928C-EA59-47D3-A066-6E52F59799A4}" dt="2020-05-26T16:47:37.168" v="1458" actId="478"/>
+          <ac:picMkLst>
+            <pc:docMk/>
+            <pc:sldMk cId="3234675577" sldId="280"/>
+            <ac:picMk id="5" creationId="{8D839C98-6D6D-46D4-88BE-7D59C8722DF1}"/>
+          </ac:picMkLst>
+        </pc:picChg>
+      </pc:sldChg>
+      <pc:sldChg chg="add ord">
+        <pc:chgData name=" " userId="caedbcbc-edcc-483d-a2c9-4cbd3f631e14" providerId="ADAL" clId="{14AC928C-EA59-47D3-A066-6E52F59799A4}" dt="2020-05-26T16:49:25.183" v="1865"/>
+        <pc:sldMkLst>
+          <pc:docMk/>
+          <pc:sldMk cId="1158889109" sldId="281"/>
+        </pc:sldMkLst>
+      </pc:sldChg>
+      <pc:sldChg chg="modSp add">
+        <pc:chgData name=" " userId="caedbcbc-edcc-483d-a2c9-4cbd3f631e14" providerId="ADAL" clId="{14AC928C-EA59-47D3-A066-6E52F59799A4}" dt="2020-05-26T16:53:04.585" v="2205"/>
+        <pc:sldMkLst>
+          <pc:docMk/>
+          <pc:sldMk cId="3899004428" sldId="282"/>
+        </pc:sldMkLst>
+        <pc:spChg chg="mod">
+          <ac:chgData name=" " userId="caedbcbc-edcc-483d-a2c9-4cbd3f631e14" providerId="ADAL" clId="{14AC928C-EA59-47D3-A066-6E52F59799A4}" dt="2020-05-26T16:53:04.585" v="2205"/>
+          <ac:spMkLst>
+            <pc:docMk/>
+            <pc:sldMk cId="3899004428" sldId="282"/>
+            <ac:spMk id="2" creationId="{ECEF56DE-36D9-4672-B301-AE4C65C59BBF}"/>
+          </ac:spMkLst>
+        </pc:spChg>
+        <pc:spChg chg="mod">
+          <ac:chgData name=" " userId="caedbcbc-edcc-483d-a2c9-4cbd3f631e14" providerId="ADAL" clId="{14AC928C-EA59-47D3-A066-6E52F59799A4}" dt="2020-05-26T16:52:43.112" v="2189" actId="20577"/>
+          <ac:spMkLst>
+            <pc:docMk/>
+            <pc:sldMk cId="3899004428" sldId="282"/>
+            <ac:spMk id="3" creationId="{5179213F-15C5-4B44-B0F3-74DA97519D42}"/>
+          </ac:spMkLst>
+        </pc:spChg>
+      </pc:sldChg>
+      <pc:sldChg chg="modSp add del">
+        <pc:chgData name=" " userId="caedbcbc-edcc-483d-a2c9-4cbd3f631e14" providerId="ADAL" clId="{14AC928C-EA59-47D3-A066-6E52F59799A4}" dt="2020-05-26T16:50:48.685" v="1876" actId="2696"/>
+        <pc:sldMkLst>
+          <pc:docMk/>
+          <pc:sldMk cId="3902841361" sldId="282"/>
+        </pc:sldMkLst>
+        <pc:spChg chg="mod">
+          <ac:chgData name=" " userId="caedbcbc-edcc-483d-a2c9-4cbd3f631e14" providerId="ADAL" clId="{14AC928C-EA59-47D3-A066-6E52F59799A4}" dt="2020-05-26T16:50:45.903" v="1875"/>
+          <ac:spMkLst>
+            <pc:docMk/>
+            <pc:sldMk cId="3902841361" sldId="282"/>
+            <ac:spMk id="2" creationId="{B02AEB5A-058E-466C-9D94-369F5404E651}"/>
+          </ac:spMkLst>
+        </pc:spChg>
+      </pc:sldChg>
+      <pc:sldChg chg="modSp add">
+        <pc:chgData name=" " userId="caedbcbc-edcc-483d-a2c9-4cbd3f631e14" providerId="ADAL" clId="{14AC928C-EA59-47D3-A066-6E52F59799A4}" dt="2020-05-26T16:54:11.110" v="2447" actId="20577"/>
+        <pc:sldMkLst>
+          <pc:docMk/>
+          <pc:sldMk cId="3702082177" sldId="283"/>
+        </pc:sldMkLst>
+        <pc:spChg chg="mod">
+          <ac:chgData name=" " userId="caedbcbc-edcc-483d-a2c9-4cbd3f631e14" providerId="ADAL" clId="{14AC928C-EA59-47D3-A066-6E52F59799A4}" dt="2020-05-26T16:53:09.670" v="2206"/>
+          <ac:spMkLst>
+            <pc:docMk/>
+            <pc:sldMk cId="3702082177" sldId="283"/>
+            <ac:spMk id="2" creationId="{ECEF56DE-36D9-4672-B301-AE4C65C59BBF}"/>
+          </ac:spMkLst>
+        </pc:spChg>
+        <pc:spChg chg="mod">
+          <ac:chgData name=" " userId="caedbcbc-edcc-483d-a2c9-4cbd3f631e14" providerId="ADAL" clId="{14AC928C-EA59-47D3-A066-6E52F59799A4}" dt="2020-05-26T16:54:11.110" v="2447" actId="20577"/>
+          <ac:spMkLst>
+            <pc:docMk/>
+            <pc:sldMk cId="3702082177" sldId="283"/>
+            <ac:spMk id="3" creationId="{5179213F-15C5-4B44-B0F3-74DA97519D42}"/>
+          </ac:spMkLst>
+        </pc:spChg>
+      </pc:sldChg>
+      <pc:sldChg chg="addSp delSp modSp add">
+        <pc:chgData name=" " userId="caedbcbc-edcc-483d-a2c9-4cbd3f631e14" providerId="ADAL" clId="{14AC928C-EA59-47D3-A066-6E52F59799A4}" dt="2020-05-26T16:58:01.682" v="2766" actId="20577"/>
+        <pc:sldMkLst>
+          <pc:docMk/>
+          <pc:sldMk cId="1054874110" sldId="284"/>
+        </pc:sldMkLst>
+        <pc:spChg chg="mod">
+          <ac:chgData name=" " userId="caedbcbc-edcc-483d-a2c9-4cbd3f631e14" providerId="ADAL" clId="{14AC928C-EA59-47D3-A066-6E52F59799A4}" dt="2020-05-26T16:54:48.894" v="2463"/>
+          <ac:spMkLst>
+            <pc:docMk/>
+            <pc:sldMk cId="1054874110" sldId="284"/>
+            <ac:spMk id="2" creationId="{ECEF56DE-36D9-4672-B301-AE4C65C59BBF}"/>
+          </ac:spMkLst>
+        </pc:spChg>
+        <pc:spChg chg="mod">
+          <ac:chgData name=" " userId="caedbcbc-edcc-483d-a2c9-4cbd3f631e14" providerId="ADAL" clId="{14AC928C-EA59-47D3-A066-6E52F59799A4}" dt="2020-05-26T16:55:53.349" v="2526" actId="20577"/>
+          <ac:spMkLst>
+            <pc:docMk/>
+            <pc:sldMk cId="1054874110" sldId="284"/>
+            <ac:spMk id="3" creationId="{5179213F-15C5-4B44-B0F3-74DA97519D42}"/>
+          </ac:spMkLst>
+        </pc:spChg>
+        <pc:spChg chg="add mod">
+          <ac:chgData name=" " userId="caedbcbc-edcc-483d-a2c9-4cbd3f631e14" providerId="ADAL" clId="{14AC928C-EA59-47D3-A066-6E52F59799A4}" dt="2020-05-26T16:57:23.164" v="2642" actId="20577"/>
+          <ac:spMkLst>
+            <pc:docMk/>
+            <pc:sldMk cId="1054874110" sldId="284"/>
+            <ac:spMk id="5" creationId="{0961838F-83E2-41F0-8EBD-40454E62A242}"/>
+          </ac:spMkLst>
+        </pc:spChg>
+        <pc:spChg chg="add del mod">
+          <ac:chgData name=" " userId="caedbcbc-edcc-483d-a2c9-4cbd3f631e14" providerId="ADAL" clId="{14AC928C-EA59-47D3-A066-6E52F59799A4}" dt="2020-05-26T16:57:47.030" v="2663"/>
+          <ac:spMkLst>
+            <pc:docMk/>
+            <pc:sldMk cId="1054874110" sldId="284"/>
+            <ac:spMk id="6" creationId="{CDDA1C11-947E-4A7F-A850-4068412B4665}"/>
+          </ac:spMkLst>
+        </pc:spChg>
+        <pc:spChg chg="add mod">
+          <ac:chgData name=" " userId="caedbcbc-edcc-483d-a2c9-4cbd3f631e14" providerId="ADAL" clId="{14AC928C-EA59-47D3-A066-6E52F59799A4}" dt="2020-05-26T16:58:01.682" v="2766" actId="20577"/>
+          <ac:spMkLst>
+            <pc:docMk/>
+            <pc:sldMk cId="1054874110" sldId="284"/>
+            <ac:spMk id="8" creationId="{08D48639-D643-47DA-8765-FC34F80D39DD}"/>
+          </ac:spMkLst>
+        </pc:spChg>
+        <pc:picChg chg="add mod">
+          <ac:chgData name=" " userId="caedbcbc-edcc-483d-a2c9-4cbd3f631e14" providerId="ADAL" clId="{14AC928C-EA59-47D3-A066-6E52F59799A4}" dt="2020-05-26T16:56:41.973" v="2528" actId="1076"/>
+          <ac:picMkLst>
+            <pc:docMk/>
+            <pc:sldMk cId="1054874110" sldId="284"/>
+            <ac:picMk id="4" creationId="{214FD003-1261-4817-97A3-1F1F0E7F9B51}"/>
+          </ac:picMkLst>
+        </pc:picChg>
+        <pc:picChg chg="add mod">
+          <ac:chgData name=" " userId="caedbcbc-edcc-483d-a2c9-4cbd3f631e14" providerId="ADAL" clId="{14AC928C-EA59-47D3-A066-6E52F59799A4}" dt="2020-05-26T16:57:46.569" v="2661" actId="1076"/>
+          <ac:picMkLst>
+            <pc:docMk/>
+            <pc:sldMk cId="1054874110" sldId="284"/>
+            <ac:picMk id="7" creationId="{3824DAB6-0E2C-4FEB-BB87-FFB4D60D88F5}"/>
+          </ac:picMkLst>
+        </pc:picChg>
+      </pc:sldChg>
+      <pc:sldChg chg="delSp modSp add">
+        <pc:chgData name=" " userId="caedbcbc-edcc-483d-a2c9-4cbd3f631e14" providerId="ADAL" clId="{14AC928C-EA59-47D3-A066-6E52F59799A4}" dt="2020-05-26T16:59:02.887" v="2870" actId="20577"/>
+        <pc:sldMkLst>
+          <pc:docMk/>
+          <pc:sldMk cId="2511589929" sldId="285"/>
+        </pc:sldMkLst>
+        <pc:spChg chg="mod">
+          <ac:chgData name=" " userId="caedbcbc-edcc-483d-a2c9-4cbd3f631e14" providerId="ADAL" clId="{14AC928C-EA59-47D3-A066-6E52F59799A4}" dt="2020-05-26T16:59:02.887" v="2870" actId="20577"/>
+          <ac:spMkLst>
+            <pc:docMk/>
+            <pc:sldMk cId="2511589929" sldId="285"/>
+            <ac:spMk id="3" creationId="{5179213F-15C5-4B44-B0F3-74DA97519D42}"/>
+          </ac:spMkLst>
+        </pc:spChg>
+        <pc:spChg chg="del">
+          <ac:chgData name=" " userId="caedbcbc-edcc-483d-a2c9-4cbd3f631e14" providerId="ADAL" clId="{14AC928C-EA59-47D3-A066-6E52F59799A4}" dt="2020-05-26T16:58:35.126" v="2770" actId="478"/>
+          <ac:spMkLst>
+            <pc:docMk/>
+            <pc:sldMk cId="2511589929" sldId="285"/>
+            <ac:spMk id="5" creationId="{0961838F-83E2-41F0-8EBD-40454E62A242}"/>
+          </ac:spMkLst>
+        </pc:spChg>
+        <pc:spChg chg="del">
+          <ac:chgData name=" " userId="caedbcbc-edcc-483d-a2c9-4cbd3f631e14" providerId="ADAL" clId="{14AC928C-EA59-47D3-A066-6E52F59799A4}" dt="2020-05-26T16:58:35.951" v="2771" actId="478"/>
+          <ac:spMkLst>
+            <pc:docMk/>
+            <pc:sldMk cId="2511589929" sldId="285"/>
+            <ac:spMk id="8" creationId="{08D48639-D643-47DA-8765-FC34F80D39DD}"/>
+          </ac:spMkLst>
+        </pc:spChg>
+        <pc:picChg chg="del">
+          <ac:chgData name=" " userId="caedbcbc-edcc-483d-a2c9-4cbd3f631e14" providerId="ADAL" clId="{14AC928C-EA59-47D3-A066-6E52F59799A4}" dt="2020-05-26T16:58:32.847" v="2768" actId="478"/>
+          <ac:picMkLst>
+            <pc:docMk/>
+            <pc:sldMk cId="2511589929" sldId="285"/>
+            <ac:picMk id="4" creationId="{214FD003-1261-4817-97A3-1F1F0E7F9B51}"/>
+          </ac:picMkLst>
+        </pc:picChg>
+        <pc:picChg chg="del">
+          <ac:chgData name=" " userId="caedbcbc-edcc-483d-a2c9-4cbd3f631e14" providerId="ADAL" clId="{14AC928C-EA59-47D3-A066-6E52F59799A4}" dt="2020-05-26T16:58:33.323" v="2769" actId="478"/>
+          <ac:picMkLst>
+            <pc:docMk/>
+            <pc:sldMk cId="2511589929" sldId="285"/>
+            <ac:picMk id="7" creationId="{3824DAB6-0E2C-4FEB-BB87-FFB4D60D88F5}"/>
+          </ac:picMkLst>
+        </pc:picChg>
+      </pc:sldChg>
     </pc:docChg>
   </pc:docChgLst>
   <pc:docChgLst>
@@ -3915,6 +4305,22 @@
               <a:rPr lang="ko-KR" altLang="en-US" dirty="0"/>
               <a:t>구조체</a:t>
             </a:r>
+            <a:r>
+              <a:rPr lang="en-US" altLang="ko-KR" dirty="0"/>
+              <a:t>,</a:t>
+            </a:r>
+            <a:r>
+              <a:rPr lang="ko-KR" altLang="en-US" dirty="0"/>
+              <a:t>열거형</a:t>
+            </a:r>
+            <a:r>
+              <a:rPr lang="en-US" altLang="ko-KR" dirty="0"/>
+              <a:t>, </a:t>
+            </a:r>
+            <a:r>
+              <a:rPr lang="ko-KR" altLang="en-US" dirty="0"/>
+              <a:t>매크로</a:t>
+            </a:r>
           </a:p>
         </p:txBody>
       </p:sp>
@@ -6774,6 +7180,1680 @@
 </p:sld>
 </file>
 
+<file path=ppt/slides/slide20.xml><?xml version="1.0" encoding="utf-8"?>
+<p:sld xmlns:a="http://schemas.openxmlformats.org/drawingml/2006/main" xmlns:r="http://schemas.openxmlformats.org/officeDocument/2006/relationships" xmlns:p="http://schemas.openxmlformats.org/presentationml/2006/main">
+  <p:cSld>
+    <p:spTree>
+      <p:nvGrpSpPr>
+        <p:cNvPr id="1" name=""/>
+        <p:cNvGrpSpPr/>
+        <p:nvPr/>
+      </p:nvGrpSpPr>
+      <p:grpSpPr>
+        <a:xfrm>
+          <a:off x="0" y="0"/>
+          <a:ext cx="0" cy="0"/>
+          <a:chOff x="0" y="0"/>
+          <a:chExt cx="0" cy="0"/>
+        </a:xfrm>
+      </p:grpSpPr>
+      <p:sp>
+        <p:nvSpPr>
+          <p:cNvPr id="2" name="제목 1">
+            <a:extLst>
+              <a:ext uri="{FF2B5EF4-FFF2-40B4-BE49-F238E27FC236}">
+                <a16:creationId xmlns:a16="http://schemas.microsoft.com/office/drawing/2014/main" id="{B02AEB5A-058E-466C-9D94-369F5404E651}"/>
+              </a:ext>
+            </a:extLst>
+          </p:cNvPr>
+          <p:cNvSpPr>
+            <a:spLocks noGrp="1"/>
+          </p:cNvSpPr>
+          <p:nvPr>
+            <p:ph type="title"/>
+          </p:nvPr>
+        </p:nvSpPr>
+        <p:spPr/>
+        <p:txBody>
+          <a:bodyPr/>
+          <a:lstStyle/>
+          <a:p>
+            <a:r>
+              <a:rPr lang="ko-KR" altLang="en-US" dirty="0"/>
+              <a:t>열거형</a:t>
+            </a:r>
+          </a:p>
+        </p:txBody>
+      </p:sp>
+      <p:sp>
+        <p:nvSpPr>
+          <p:cNvPr id="3" name="내용 개체 틀 2">
+            <a:extLst>
+              <a:ext uri="{FF2B5EF4-FFF2-40B4-BE49-F238E27FC236}">
+                <a16:creationId xmlns:a16="http://schemas.microsoft.com/office/drawing/2014/main" id="{A3A03172-492F-4DF9-A1CE-297AD9225BCD}"/>
+              </a:ext>
+            </a:extLst>
+          </p:cNvPr>
+          <p:cNvSpPr>
+            <a:spLocks noGrp="1"/>
+          </p:cNvSpPr>
+          <p:nvPr>
+            <p:ph idx="1"/>
+          </p:nvPr>
+        </p:nvSpPr>
+        <p:spPr/>
+        <p:txBody>
+          <a:bodyPr/>
+          <a:lstStyle/>
+          <a:p>
+            <a:r>
+              <a:rPr lang="ko-KR" altLang="en-US" dirty="0"/>
+              <a:t>이전 시간에 </a:t>
+            </a:r>
+            <a:r>
+              <a:rPr lang="en-US" altLang="ko-KR" dirty="0"/>
+              <a:t>const</a:t>
+            </a:r>
+            <a:r>
+              <a:rPr lang="ko-KR" altLang="en-US" dirty="0"/>
+              <a:t>를 사용하여 상수를 선언한다고 했다</a:t>
+            </a:r>
+            <a:r>
+              <a:rPr lang="en-US" altLang="ko-KR" dirty="0"/>
+              <a:t>.</a:t>
+            </a:r>
+          </a:p>
+          <a:p>
+            <a:r>
+              <a:rPr lang="ko-KR" altLang="en-US" dirty="0"/>
+              <a:t>달력을 만든다고 해 보자</a:t>
+            </a:r>
+            <a:r>
+              <a:rPr lang="en-US" altLang="ko-KR" dirty="0"/>
+              <a:t>.</a:t>
+            </a:r>
+          </a:p>
+          <a:p>
+            <a:r>
+              <a:rPr lang="ko-KR" altLang="en-US" dirty="0"/>
+              <a:t>그냥 </a:t>
+            </a:r>
+            <a:r>
+              <a:rPr lang="en-US" altLang="ko-KR" dirty="0"/>
+              <a:t>1</a:t>
+            </a:r>
+            <a:r>
+              <a:rPr lang="ko-KR" altLang="en-US" dirty="0"/>
+              <a:t>을 쓰는 것도 좋겠지만 </a:t>
+            </a:r>
+            <a:r>
+              <a:rPr lang="en-US" altLang="ko-KR" dirty="0"/>
+              <a:t>const int January = 1;</a:t>
+            </a:r>
+          </a:p>
+          <a:p>
+            <a:r>
+              <a:rPr lang="en-US" altLang="ko-KR" dirty="0"/>
+              <a:t>Int month = January; </a:t>
+            </a:r>
+            <a:r>
+              <a:rPr lang="ko-KR" altLang="en-US" dirty="0" err="1"/>
+              <a:t>이런식으로</a:t>
+            </a:r>
+            <a:r>
+              <a:rPr lang="ko-KR" altLang="en-US" dirty="0"/>
+              <a:t> 코드를 짜면 좋을 것이다</a:t>
+            </a:r>
+            <a:r>
+              <a:rPr lang="en-US" altLang="ko-KR" dirty="0"/>
+              <a:t>.</a:t>
+            </a:r>
+          </a:p>
+          <a:p>
+            <a:r>
+              <a:rPr lang="ko-KR" altLang="en-US" dirty="0"/>
+              <a:t>하지만 </a:t>
+            </a:r>
+            <a:r>
+              <a:rPr lang="en-US" altLang="ko-KR" dirty="0"/>
+              <a:t>1~12</a:t>
+            </a:r>
+            <a:r>
+              <a:rPr lang="ko-KR" altLang="en-US" dirty="0"/>
+              <a:t>월까지 대입하면 귀찮을 것이다</a:t>
+            </a:r>
+            <a:r>
+              <a:rPr lang="en-US" altLang="ko-KR" dirty="0"/>
+              <a:t>.</a:t>
+            </a:r>
+          </a:p>
+          <a:p>
+            <a:r>
+              <a:rPr lang="ko-KR" altLang="en-US" dirty="0"/>
+              <a:t>이럴 때 열거형을 사용한다</a:t>
+            </a:r>
+            <a:r>
+              <a:rPr lang="en-US" altLang="ko-KR" dirty="0"/>
+              <a:t>.</a:t>
+            </a:r>
+          </a:p>
+        </p:txBody>
+      </p:sp>
+    </p:spTree>
+    <p:extLst>
+      <p:ext uri="{BB962C8B-B14F-4D97-AF65-F5344CB8AC3E}">
+        <p14:creationId xmlns:p14="http://schemas.microsoft.com/office/powerpoint/2010/main" val="4070373235"/>
+      </p:ext>
+    </p:extLst>
+  </p:cSld>
+  <p:clrMapOvr>
+    <a:masterClrMapping/>
+  </p:clrMapOvr>
+</p:sld>
+</file>
+
+<file path=ppt/slides/slide21.xml><?xml version="1.0" encoding="utf-8"?>
+<p:sld xmlns:a="http://schemas.openxmlformats.org/drawingml/2006/main" xmlns:r="http://schemas.openxmlformats.org/officeDocument/2006/relationships" xmlns:p="http://schemas.openxmlformats.org/presentationml/2006/main">
+  <p:cSld>
+    <p:spTree>
+      <p:nvGrpSpPr>
+        <p:cNvPr id="1" name=""/>
+        <p:cNvGrpSpPr/>
+        <p:nvPr/>
+      </p:nvGrpSpPr>
+      <p:grpSpPr>
+        <a:xfrm>
+          <a:off x="0" y="0"/>
+          <a:ext cx="0" cy="0"/>
+          <a:chOff x="0" y="0"/>
+          <a:chExt cx="0" cy="0"/>
+        </a:xfrm>
+      </p:grpSpPr>
+      <p:sp>
+        <p:nvSpPr>
+          <p:cNvPr id="2" name="제목 1">
+            <a:extLst>
+              <a:ext uri="{FF2B5EF4-FFF2-40B4-BE49-F238E27FC236}">
+                <a16:creationId xmlns:a16="http://schemas.microsoft.com/office/drawing/2014/main" id="{B02AEB5A-058E-466C-9D94-369F5404E651}"/>
+              </a:ext>
+            </a:extLst>
+          </p:cNvPr>
+          <p:cNvSpPr>
+            <a:spLocks noGrp="1"/>
+          </p:cNvSpPr>
+          <p:nvPr>
+            <p:ph type="title"/>
+          </p:nvPr>
+        </p:nvSpPr>
+        <p:spPr/>
+        <p:txBody>
+          <a:bodyPr/>
+          <a:lstStyle/>
+          <a:p>
+            <a:r>
+              <a:rPr lang="ko-KR" altLang="en-US" dirty="0"/>
+              <a:t>열거형</a:t>
+            </a:r>
+          </a:p>
+        </p:txBody>
+      </p:sp>
+      <p:pic>
+        <p:nvPicPr>
+          <p:cNvPr id="6" name="그림 5">
+            <a:extLst>
+              <a:ext uri="{FF2B5EF4-FFF2-40B4-BE49-F238E27FC236}">
+                <a16:creationId xmlns:a16="http://schemas.microsoft.com/office/drawing/2014/main" id="{B07F4AEE-91DC-446E-955B-F23CF1A88561}"/>
+              </a:ext>
+            </a:extLst>
+          </p:cNvPr>
+          <p:cNvPicPr>
+            <a:picLocks noChangeAspect="1"/>
+          </p:cNvPicPr>
+          <p:nvPr/>
+        </p:nvPicPr>
+        <p:blipFill>
+          <a:blip r:embed="rId2"/>
+          <a:stretch>
+            <a:fillRect/>
+          </a:stretch>
+        </p:blipFill>
+        <p:spPr>
+          <a:xfrm>
+            <a:off x="603085" y="1380174"/>
+            <a:ext cx="6496957" cy="5353797"/>
+          </a:xfrm>
+          <a:prstGeom prst="rect">
+            <a:avLst/>
+          </a:prstGeom>
+        </p:spPr>
+      </p:pic>
+      <p:sp>
+        <p:nvSpPr>
+          <p:cNvPr id="7" name="TextBox 6">
+            <a:extLst>
+              <a:ext uri="{FF2B5EF4-FFF2-40B4-BE49-F238E27FC236}">
+                <a16:creationId xmlns:a16="http://schemas.microsoft.com/office/drawing/2014/main" id="{56EDBCF8-1511-4147-8FC2-BBD24F2FBC7A}"/>
+              </a:ext>
+            </a:extLst>
+          </p:cNvPr>
+          <p:cNvSpPr txBox="1"/>
+          <p:nvPr/>
+        </p:nvSpPr>
+        <p:spPr>
+          <a:xfrm>
+            <a:off x="7758545" y="1930400"/>
+            <a:ext cx="3392275" cy="923330"/>
+          </a:xfrm>
+          <a:prstGeom prst="rect">
+            <a:avLst/>
+          </a:prstGeom>
+          <a:noFill/>
+        </p:spPr>
+        <p:txBody>
+          <a:bodyPr wrap="none" rtlCol="0">
+            <a:spAutoFit/>
+          </a:bodyPr>
+          <a:lstStyle/>
+          <a:p>
+            <a:r>
+              <a:rPr lang="ko-KR" altLang="en-US" dirty="0"/>
+              <a:t>처음 </a:t>
+            </a:r>
+            <a:r>
+              <a:rPr lang="ko-KR" altLang="en-US" dirty="0" err="1"/>
+              <a:t>초깃값을</a:t>
+            </a:r>
+            <a:r>
+              <a:rPr lang="ko-KR" altLang="en-US" dirty="0"/>
+              <a:t> 할당해주면</a:t>
+            </a:r>
+            <a:endParaRPr lang="en-US" altLang="ko-KR" dirty="0"/>
+          </a:p>
+          <a:p>
+            <a:r>
+              <a:rPr lang="ko-KR" altLang="en-US" dirty="0"/>
+              <a:t>뒤에 숫자들은 </a:t>
+            </a:r>
+            <a:r>
+              <a:rPr lang="en-US" altLang="ko-KR" dirty="0"/>
+              <a:t>+1</a:t>
+            </a:r>
+            <a:r>
+              <a:rPr lang="ko-KR" altLang="en-US" dirty="0"/>
+              <a:t>씩 올라간다</a:t>
+            </a:r>
+            <a:endParaRPr lang="en-US" altLang="ko-KR" dirty="0"/>
+          </a:p>
+          <a:p>
+            <a:r>
+              <a:rPr lang="ko-KR" altLang="en-US" dirty="0"/>
+              <a:t>여기서 </a:t>
+            </a:r>
+            <a:r>
+              <a:rPr lang="en-US" altLang="ko-KR" dirty="0"/>
+              <a:t>Monday</a:t>
+            </a:r>
+            <a:r>
+              <a:rPr lang="ko-KR" altLang="en-US" dirty="0"/>
+              <a:t>는 </a:t>
+            </a:r>
+            <a:r>
+              <a:rPr lang="en-US" altLang="ko-KR" dirty="0"/>
+              <a:t>1</a:t>
+            </a:r>
+            <a:r>
+              <a:rPr lang="ko-KR" altLang="en-US" dirty="0"/>
+              <a:t>이 되는 것</a:t>
+            </a:r>
+            <a:r>
+              <a:rPr lang="en-US" altLang="ko-KR" dirty="0"/>
+              <a:t>.</a:t>
+            </a:r>
+            <a:endParaRPr lang="ko-KR" altLang="en-US" dirty="0"/>
+          </a:p>
+        </p:txBody>
+      </p:sp>
+    </p:spTree>
+    <p:extLst>
+      <p:ext uri="{BB962C8B-B14F-4D97-AF65-F5344CB8AC3E}">
+        <p14:creationId xmlns:p14="http://schemas.microsoft.com/office/powerpoint/2010/main" val="1933313585"/>
+      </p:ext>
+    </p:extLst>
+  </p:cSld>
+  <p:clrMapOvr>
+    <a:masterClrMapping/>
+  </p:clrMapOvr>
+</p:sld>
+</file>
+
+<file path=ppt/slides/slide22.xml><?xml version="1.0" encoding="utf-8"?>
+<p:sld xmlns:a="http://schemas.openxmlformats.org/drawingml/2006/main" xmlns:r="http://schemas.openxmlformats.org/officeDocument/2006/relationships" xmlns:p="http://schemas.openxmlformats.org/presentationml/2006/main">
+  <p:cSld>
+    <p:spTree>
+      <p:nvGrpSpPr>
+        <p:cNvPr id="1" name=""/>
+        <p:cNvGrpSpPr/>
+        <p:nvPr/>
+      </p:nvGrpSpPr>
+      <p:grpSpPr>
+        <a:xfrm>
+          <a:off x="0" y="0"/>
+          <a:ext cx="0" cy="0"/>
+          <a:chOff x="0" y="0"/>
+          <a:chExt cx="0" cy="0"/>
+        </a:xfrm>
+      </p:grpSpPr>
+      <p:sp>
+        <p:nvSpPr>
+          <p:cNvPr id="2" name="제목 1">
+            <a:extLst>
+              <a:ext uri="{FF2B5EF4-FFF2-40B4-BE49-F238E27FC236}">
+                <a16:creationId xmlns:a16="http://schemas.microsoft.com/office/drawing/2014/main" id="{B02AEB5A-058E-466C-9D94-369F5404E651}"/>
+              </a:ext>
+            </a:extLst>
+          </p:cNvPr>
+          <p:cNvSpPr>
+            <a:spLocks noGrp="1"/>
+          </p:cNvSpPr>
+          <p:nvPr>
+            <p:ph type="title"/>
+          </p:nvPr>
+        </p:nvSpPr>
+        <p:spPr/>
+        <p:txBody>
+          <a:bodyPr/>
+          <a:lstStyle/>
+          <a:p>
+            <a:r>
+              <a:rPr lang="ko-KR" altLang="en-US" dirty="0"/>
+              <a:t>열거형</a:t>
+            </a:r>
+          </a:p>
+        </p:txBody>
+      </p:sp>
+      <p:pic>
+        <p:nvPicPr>
+          <p:cNvPr id="6" name="그림 5">
+            <a:extLst>
+              <a:ext uri="{FF2B5EF4-FFF2-40B4-BE49-F238E27FC236}">
+                <a16:creationId xmlns:a16="http://schemas.microsoft.com/office/drawing/2014/main" id="{B07F4AEE-91DC-446E-955B-F23CF1A88561}"/>
+              </a:ext>
+            </a:extLst>
+          </p:cNvPr>
+          <p:cNvPicPr>
+            <a:picLocks noChangeAspect="1"/>
+          </p:cNvPicPr>
+          <p:nvPr/>
+        </p:nvPicPr>
+        <p:blipFill>
+          <a:blip r:embed="rId2"/>
+          <a:stretch>
+            <a:fillRect/>
+          </a:stretch>
+        </p:blipFill>
+        <p:spPr>
+          <a:xfrm>
+            <a:off x="603085" y="1380174"/>
+            <a:ext cx="6496957" cy="5353797"/>
+          </a:xfrm>
+          <a:prstGeom prst="rect">
+            <a:avLst/>
+          </a:prstGeom>
+        </p:spPr>
+      </p:pic>
+      <p:sp>
+        <p:nvSpPr>
+          <p:cNvPr id="7" name="TextBox 6">
+            <a:extLst>
+              <a:ext uri="{FF2B5EF4-FFF2-40B4-BE49-F238E27FC236}">
+                <a16:creationId xmlns:a16="http://schemas.microsoft.com/office/drawing/2014/main" id="{56EDBCF8-1511-4147-8FC2-BBD24F2FBC7A}"/>
+              </a:ext>
+            </a:extLst>
+          </p:cNvPr>
+          <p:cNvSpPr txBox="1"/>
+          <p:nvPr/>
+        </p:nvSpPr>
+        <p:spPr>
+          <a:xfrm>
+            <a:off x="7758545" y="1930400"/>
+            <a:ext cx="3392275" cy="923330"/>
+          </a:xfrm>
+          <a:prstGeom prst="rect">
+            <a:avLst/>
+          </a:prstGeom>
+          <a:noFill/>
+        </p:spPr>
+        <p:txBody>
+          <a:bodyPr wrap="none" rtlCol="0">
+            <a:spAutoFit/>
+          </a:bodyPr>
+          <a:lstStyle/>
+          <a:p>
+            <a:r>
+              <a:rPr lang="ko-KR" altLang="en-US" dirty="0"/>
+              <a:t>처음 </a:t>
+            </a:r>
+            <a:r>
+              <a:rPr lang="ko-KR" altLang="en-US" dirty="0" err="1"/>
+              <a:t>초깃값을</a:t>
+            </a:r>
+            <a:r>
+              <a:rPr lang="ko-KR" altLang="en-US" dirty="0"/>
+              <a:t> 할당해주면</a:t>
+            </a:r>
+            <a:endParaRPr lang="en-US" altLang="ko-KR" dirty="0"/>
+          </a:p>
+          <a:p>
+            <a:r>
+              <a:rPr lang="ko-KR" altLang="en-US" dirty="0"/>
+              <a:t>뒤에 숫자들은 </a:t>
+            </a:r>
+            <a:r>
+              <a:rPr lang="en-US" altLang="ko-KR" dirty="0"/>
+              <a:t>+1</a:t>
+            </a:r>
+            <a:r>
+              <a:rPr lang="ko-KR" altLang="en-US" dirty="0"/>
+              <a:t>씩 올라간다</a:t>
+            </a:r>
+            <a:endParaRPr lang="en-US" altLang="ko-KR" dirty="0"/>
+          </a:p>
+          <a:p>
+            <a:r>
+              <a:rPr lang="ko-KR" altLang="en-US" dirty="0"/>
+              <a:t>여기서 </a:t>
+            </a:r>
+            <a:r>
+              <a:rPr lang="en-US" altLang="ko-KR" dirty="0"/>
+              <a:t>Monday</a:t>
+            </a:r>
+            <a:r>
+              <a:rPr lang="ko-KR" altLang="en-US" dirty="0"/>
+              <a:t>는 </a:t>
+            </a:r>
+            <a:r>
+              <a:rPr lang="en-US" altLang="ko-KR" dirty="0"/>
+              <a:t>1</a:t>
+            </a:r>
+            <a:r>
+              <a:rPr lang="ko-KR" altLang="en-US" dirty="0"/>
+              <a:t>이 되는 것</a:t>
+            </a:r>
+            <a:r>
+              <a:rPr lang="en-US" altLang="ko-KR" dirty="0"/>
+              <a:t>.</a:t>
+            </a:r>
+            <a:endParaRPr lang="ko-KR" altLang="en-US" dirty="0"/>
+          </a:p>
+        </p:txBody>
+      </p:sp>
+    </p:spTree>
+    <p:extLst>
+      <p:ext uri="{BB962C8B-B14F-4D97-AF65-F5344CB8AC3E}">
+        <p14:creationId xmlns:p14="http://schemas.microsoft.com/office/powerpoint/2010/main" val="2013172710"/>
+      </p:ext>
+    </p:extLst>
+  </p:cSld>
+  <p:clrMapOvr>
+    <a:masterClrMapping/>
+  </p:clrMapOvr>
+</p:sld>
+</file>
+
+<file path=ppt/slides/slide23.xml><?xml version="1.0" encoding="utf-8"?>
+<p:sld xmlns:a="http://schemas.openxmlformats.org/drawingml/2006/main" xmlns:r="http://schemas.openxmlformats.org/officeDocument/2006/relationships" xmlns:p="http://schemas.openxmlformats.org/presentationml/2006/main">
+  <p:cSld>
+    <p:spTree>
+      <p:nvGrpSpPr>
+        <p:cNvPr id="1" name=""/>
+        <p:cNvGrpSpPr/>
+        <p:nvPr/>
+      </p:nvGrpSpPr>
+      <p:grpSpPr>
+        <a:xfrm>
+          <a:off x="0" y="0"/>
+          <a:ext cx="0" cy="0"/>
+          <a:chOff x="0" y="0"/>
+          <a:chExt cx="0" cy="0"/>
+        </a:xfrm>
+      </p:grpSpPr>
+      <p:sp>
+        <p:nvSpPr>
+          <p:cNvPr id="2" name="제목 1">
+            <a:extLst>
+              <a:ext uri="{FF2B5EF4-FFF2-40B4-BE49-F238E27FC236}">
+                <a16:creationId xmlns:a16="http://schemas.microsoft.com/office/drawing/2014/main" id="{B02AEB5A-058E-466C-9D94-369F5404E651}"/>
+              </a:ext>
+            </a:extLst>
+          </p:cNvPr>
+          <p:cNvSpPr>
+            <a:spLocks noGrp="1"/>
+          </p:cNvSpPr>
+          <p:nvPr>
+            <p:ph type="title"/>
+          </p:nvPr>
+        </p:nvSpPr>
+        <p:spPr/>
+        <p:txBody>
+          <a:bodyPr/>
+          <a:lstStyle/>
+          <a:p>
+            <a:r>
+              <a:rPr lang="ko-KR" altLang="en-US" dirty="0"/>
+              <a:t>열거형 변수</a:t>
+            </a:r>
+          </a:p>
+        </p:txBody>
+      </p:sp>
+      <p:pic>
+        <p:nvPicPr>
+          <p:cNvPr id="3" name="그림 2">
+            <a:extLst>
+              <a:ext uri="{FF2B5EF4-FFF2-40B4-BE49-F238E27FC236}">
+                <a16:creationId xmlns:a16="http://schemas.microsoft.com/office/drawing/2014/main" id="{AB28E47E-9C31-423F-BA37-253BD0AE0321}"/>
+              </a:ext>
+            </a:extLst>
+          </p:cNvPr>
+          <p:cNvPicPr>
+            <a:picLocks noChangeAspect="1"/>
+          </p:cNvPicPr>
+          <p:nvPr/>
+        </p:nvPicPr>
+        <p:blipFill>
+          <a:blip r:embed="rId2"/>
+          <a:stretch>
+            <a:fillRect/>
+          </a:stretch>
+        </p:blipFill>
+        <p:spPr>
+          <a:xfrm>
+            <a:off x="838200" y="1592204"/>
+            <a:ext cx="6170721" cy="1325563"/>
+          </a:xfrm>
+          <a:prstGeom prst="rect">
+            <a:avLst/>
+          </a:prstGeom>
+        </p:spPr>
+      </p:pic>
+      <p:sp>
+        <p:nvSpPr>
+          <p:cNvPr id="4" name="TextBox 3">
+            <a:extLst>
+              <a:ext uri="{FF2B5EF4-FFF2-40B4-BE49-F238E27FC236}">
+                <a16:creationId xmlns:a16="http://schemas.microsoft.com/office/drawing/2014/main" id="{6D2F1A87-0507-485A-9C6D-391412C8BAF6}"/>
+              </a:ext>
+            </a:extLst>
+          </p:cNvPr>
+          <p:cNvSpPr txBox="1"/>
+          <p:nvPr/>
+        </p:nvSpPr>
+        <p:spPr>
+          <a:xfrm>
+            <a:off x="838200" y="3293903"/>
+            <a:ext cx="6123792" cy="646331"/>
+          </a:xfrm>
+          <a:prstGeom prst="rect">
+            <a:avLst/>
+          </a:prstGeom>
+          <a:noFill/>
+        </p:spPr>
+        <p:txBody>
+          <a:bodyPr wrap="none" rtlCol="0">
+            <a:spAutoFit/>
+          </a:bodyPr>
+          <a:lstStyle/>
+          <a:p>
+            <a:pPr marL="285750" indent="-285750">
+              <a:buFontTx/>
+              <a:buChar char="-"/>
+            </a:pPr>
+            <a:r>
+              <a:rPr lang="ko-KR" altLang="en-US" dirty="0"/>
+              <a:t>열거형 변수는 이름을 적든</a:t>
+            </a:r>
+            <a:r>
+              <a:rPr lang="en-US" altLang="ko-KR" dirty="0"/>
+              <a:t>, </a:t>
+            </a:r>
+            <a:r>
+              <a:rPr lang="ko-KR" altLang="en-US" dirty="0"/>
+              <a:t>숫자를 적든 상관이 없다</a:t>
+            </a:r>
+            <a:r>
+              <a:rPr lang="en-US" altLang="ko-KR" dirty="0"/>
+              <a:t>.</a:t>
+            </a:r>
+          </a:p>
+          <a:p>
+            <a:pPr marL="285750" indent="-285750">
+              <a:buFontTx/>
+              <a:buChar char="-"/>
+            </a:pPr>
+            <a:r>
+              <a:rPr lang="ko-KR" altLang="en-US" dirty="0"/>
+              <a:t>하지만 선언 되어 있는 숫자가 아니면 대입하지 못한다</a:t>
+            </a:r>
+            <a:r>
+              <a:rPr lang="en-US" altLang="ko-KR" dirty="0"/>
+              <a:t>.</a:t>
+            </a:r>
+            <a:endParaRPr lang="ko-KR" altLang="en-US" dirty="0"/>
+          </a:p>
+        </p:txBody>
+      </p:sp>
+    </p:spTree>
+    <p:extLst>
+      <p:ext uri="{BB962C8B-B14F-4D97-AF65-F5344CB8AC3E}">
+        <p14:creationId xmlns:p14="http://schemas.microsoft.com/office/powerpoint/2010/main" val="1606846323"/>
+      </p:ext>
+    </p:extLst>
+  </p:cSld>
+  <p:clrMapOvr>
+    <a:masterClrMapping/>
+  </p:clrMapOvr>
+</p:sld>
+</file>
+
+<file path=ppt/slides/slide24.xml><?xml version="1.0" encoding="utf-8"?>
+<p:sld xmlns:a="http://schemas.openxmlformats.org/drawingml/2006/main" xmlns:r="http://schemas.openxmlformats.org/officeDocument/2006/relationships" xmlns:p="http://schemas.openxmlformats.org/presentationml/2006/main">
+  <p:cSld>
+    <p:spTree>
+      <p:nvGrpSpPr>
+        <p:cNvPr id="1" name=""/>
+        <p:cNvGrpSpPr/>
+        <p:nvPr/>
+      </p:nvGrpSpPr>
+      <p:grpSpPr>
+        <a:xfrm>
+          <a:off x="0" y="0"/>
+          <a:ext cx="0" cy="0"/>
+          <a:chOff x="0" y="0"/>
+          <a:chExt cx="0" cy="0"/>
+        </a:xfrm>
+      </p:grpSpPr>
+      <p:sp>
+        <p:nvSpPr>
+          <p:cNvPr id="2" name="제목 1">
+            <a:extLst>
+              <a:ext uri="{FF2B5EF4-FFF2-40B4-BE49-F238E27FC236}">
+                <a16:creationId xmlns:a16="http://schemas.microsoft.com/office/drawing/2014/main" id="{B02AEB5A-058E-466C-9D94-369F5404E651}"/>
+              </a:ext>
+            </a:extLst>
+          </p:cNvPr>
+          <p:cNvSpPr>
+            <a:spLocks noGrp="1"/>
+          </p:cNvSpPr>
+          <p:nvPr>
+            <p:ph type="title"/>
+          </p:nvPr>
+        </p:nvSpPr>
+        <p:spPr/>
+        <p:txBody>
+          <a:bodyPr/>
+          <a:lstStyle/>
+          <a:p>
+            <a:r>
+              <a:rPr lang="ko-KR" altLang="en-US" dirty="0"/>
+              <a:t>열거형 </a:t>
+            </a:r>
+            <a:r>
+              <a:rPr lang="en-US" altLang="ko-KR" dirty="0"/>
+              <a:t>typedef</a:t>
+            </a:r>
+            <a:endParaRPr lang="ko-KR" altLang="en-US" dirty="0"/>
+          </a:p>
+        </p:txBody>
+      </p:sp>
+      <p:sp>
+        <p:nvSpPr>
+          <p:cNvPr id="4" name="TextBox 3">
+            <a:extLst>
+              <a:ext uri="{FF2B5EF4-FFF2-40B4-BE49-F238E27FC236}">
+                <a16:creationId xmlns:a16="http://schemas.microsoft.com/office/drawing/2014/main" id="{6D2F1A87-0507-485A-9C6D-391412C8BAF6}"/>
+              </a:ext>
+            </a:extLst>
+          </p:cNvPr>
+          <p:cNvSpPr txBox="1"/>
+          <p:nvPr/>
+        </p:nvSpPr>
+        <p:spPr>
+          <a:xfrm>
+            <a:off x="838200" y="1585176"/>
+            <a:ext cx="6118983" cy="646331"/>
+          </a:xfrm>
+          <a:prstGeom prst="rect">
+            <a:avLst/>
+          </a:prstGeom>
+          <a:noFill/>
+        </p:spPr>
+        <p:txBody>
+          <a:bodyPr wrap="none" rtlCol="0">
+            <a:spAutoFit/>
+          </a:bodyPr>
+          <a:lstStyle/>
+          <a:p>
+            <a:pPr marL="285750" indent="-285750">
+              <a:buFontTx/>
+              <a:buChar char="-"/>
+            </a:pPr>
+            <a:r>
+              <a:rPr lang="ko-KR" altLang="en-US" dirty="0"/>
+              <a:t>사실 </a:t>
+            </a:r>
+            <a:r>
+              <a:rPr lang="ko-KR" altLang="en-US" dirty="0" err="1"/>
+              <a:t>구조체랑</a:t>
+            </a:r>
+            <a:r>
+              <a:rPr lang="ko-KR" altLang="en-US" dirty="0"/>
+              <a:t> 같은 맥락이다</a:t>
+            </a:r>
+            <a:r>
+              <a:rPr lang="en-US" altLang="ko-KR" dirty="0"/>
+              <a:t>.</a:t>
+            </a:r>
+          </a:p>
+          <a:p>
+            <a:pPr marL="285750" indent="-285750">
+              <a:buFontTx/>
+              <a:buChar char="-"/>
+            </a:pPr>
+            <a:r>
+              <a:rPr lang="en-US" altLang="ko-KR" dirty="0" err="1"/>
+              <a:t>Enum</a:t>
+            </a:r>
+            <a:r>
+              <a:rPr lang="en-US" altLang="ko-KR" dirty="0"/>
+              <a:t> </a:t>
+            </a:r>
+            <a:r>
+              <a:rPr lang="ko-KR" altLang="en-US" dirty="0"/>
+              <a:t>이름 쓰기 귀찮아서 </a:t>
+            </a:r>
+            <a:r>
+              <a:rPr lang="en-US" altLang="ko-KR" dirty="0"/>
+              <a:t>typedef </a:t>
+            </a:r>
+            <a:r>
+              <a:rPr lang="ko-KR" altLang="en-US" dirty="0"/>
+              <a:t>써서 재정의하는 것</a:t>
+            </a:r>
+            <a:r>
+              <a:rPr lang="en-US" altLang="ko-KR" dirty="0"/>
+              <a:t>.</a:t>
+            </a:r>
+            <a:endParaRPr lang="ko-KR" altLang="en-US" dirty="0"/>
+          </a:p>
+        </p:txBody>
+      </p:sp>
+      <p:pic>
+        <p:nvPicPr>
+          <p:cNvPr id="5" name="그림 4">
+            <a:extLst>
+              <a:ext uri="{FF2B5EF4-FFF2-40B4-BE49-F238E27FC236}">
+                <a16:creationId xmlns:a16="http://schemas.microsoft.com/office/drawing/2014/main" id="{8D839C98-6D6D-46D4-88BE-7D59C8722DF1}"/>
+              </a:ext>
+            </a:extLst>
+          </p:cNvPr>
+          <p:cNvPicPr>
+            <a:picLocks noChangeAspect="1"/>
+          </p:cNvPicPr>
+          <p:nvPr/>
+        </p:nvPicPr>
+        <p:blipFill>
+          <a:blip r:embed="rId2"/>
+          <a:stretch>
+            <a:fillRect/>
+          </a:stretch>
+        </p:blipFill>
+        <p:spPr>
+          <a:xfrm>
+            <a:off x="1296975" y="2715682"/>
+            <a:ext cx="4296375" cy="3477110"/>
+          </a:xfrm>
+          <a:prstGeom prst="rect">
+            <a:avLst/>
+          </a:prstGeom>
+        </p:spPr>
+      </p:pic>
+    </p:spTree>
+    <p:extLst>
+      <p:ext uri="{BB962C8B-B14F-4D97-AF65-F5344CB8AC3E}">
+        <p14:creationId xmlns:p14="http://schemas.microsoft.com/office/powerpoint/2010/main" val="1029441661"/>
+      </p:ext>
+    </p:extLst>
+  </p:cSld>
+  <p:clrMapOvr>
+    <a:masterClrMapping/>
+  </p:clrMapOvr>
+</p:sld>
+</file>
+
+<file path=ppt/slides/slide25.xml><?xml version="1.0" encoding="utf-8"?>
+<p:sld xmlns:a="http://schemas.openxmlformats.org/drawingml/2006/main" xmlns:r="http://schemas.openxmlformats.org/officeDocument/2006/relationships" xmlns:p="http://schemas.openxmlformats.org/presentationml/2006/main">
+  <p:cSld>
+    <p:spTree>
+      <p:nvGrpSpPr>
+        <p:cNvPr id="1" name=""/>
+        <p:cNvGrpSpPr/>
+        <p:nvPr/>
+      </p:nvGrpSpPr>
+      <p:grpSpPr>
+        <a:xfrm>
+          <a:off x="0" y="0"/>
+          <a:ext cx="0" cy="0"/>
+          <a:chOff x="0" y="0"/>
+          <a:chExt cx="0" cy="0"/>
+        </a:xfrm>
+      </p:grpSpPr>
+      <p:sp>
+        <p:nvSpPr>
+          <p:cNvPr id="2" name="제목 1">
+            <a:extLst>
+              <a:ext uri="{FF2B5EF4-FFF2-40B4-BE49-F238E27FC236}">
+                <a16:creationId xmlns:a16="http://schemas.microsoft.com/office/drawing/2014/main" id="{B02AEB5A-058E-466C-9D94-369F5404E651}"/>
+              </a:ext>
+            </a:extLst>
+          </p:cNvPr>
+          <p:cNvSpPr>
+            <a:spLocks noGrp="1"/>
+          </p:cNvSpPr>
+          <p:nvPr>
+            <p:ph type="title"/>
+          </p:nvPr>
+        </p:nvSpPr>
+        <p:spPr/>
+        <p:txBody>
+          <a:bodyPr/>
+          <a:lstStyle/>
+          <a:p>
+            <a:r>
+              <a:rPr lang="ko-KR" altLang="en-US" dirty="0"/>
+              <a:t>익명 열거형</a:t>
+            </a:r>
+          </a:p>
+        </p:txBody>
+      </p:sp>
+      <p:sp>
+        <p:nvSpPr>
+          <p:cNvPr id="4" name="TextBox 3">
+            <a:extLst>
+              <a:ext uri="{FF2B5EF4-FFF2-40B4-BE49-F238E27FC236}">
+                <a16:creationId xmlns:a16="http://schemas.microsoft.com/office/drawing/2014/main" id="{6D2F1A87-0507-485A-9C6D-391412C8BAF6}"/>
+              </a:ext>
+            </a:extLst>
+          </p:cNvPr>
+          <p:cNvSpPr txBox="1"/>
+          <p:nvPr/>
+        </p:nvSpPr>
+        <p:spPr>
+          <a:xfrm>
+            <a:off x="838200" y="1585176"/>
+            <a:ext cx="4137671" cy="646331"/>
+          </a:xfrm>
+          <a:prstGeom prst="rect">
+            <a:avLst/>
+          </a:prstGeom>
+          <a:noFill/>
+        </p:spPr>
+        <p:txBody>
+          <a:bodyPr wrap="none" rtlCol="0">
+            <a:spAutoFit/>
+          </a:bodyPr>
+          <a:lstStyle/>
+          <a:p>
+            <a:pPr marL="285750" indent="-285750">
+              <a:buFontTx/>
+              <a:buChar char="-"/>
+            </a:pPr>
+            <a:r>
+              <a:rPr lang="ko-KR" altLang="en-US" dirty="0" err="1"/>
+              <a:t>구조체랑</a:t>
+            </a:r>
+            <a:r>
+              <a:rPr lang="ko-KR" altLang="en-US" dirty="0"/>
+              <a:t> 같다</a:t>
+            </a:r>
+            <a:r>
+              <a:rPr lang="en-US" altLang="ko-KR" dirty="0"/>
+              <a:t>. </a:t>
+            </a:r>
+            <a:r>
+              <a:rPr lang="ko-KR" altLang="en-US" dirty="0"/>
+              <a:t>넘어가겠다</a:t>
+            </a:r>
+            <a:r>
+              <a:rPr lang="en-US" altLang="ko-KR" dirty="0"/>
+              <a:t>.</a:t>
+            </a:r>
+          </a:p>
+          <a:p>
+            <a:pPr marL="285750" indent="-285750">
+              <a:buFontTx/>
+              <a:buChar char="-"/>
+            </a:pPr>
+            <a:r>
+              <a:rPr lang="ko-KR" altLang="en-US" dirty="0"/>
+              <a:t>근데 모르는데 넘어가는 것 같기도</a:t>
+            </a:r>
+            <a:r>
+              <a:rPr lang="en-US" altLang="ko-KR" dirty="0"/>
+              <a:t>?</a:t>
+            </a:r>
+            <a:endParaRPr lang="ko-KR" altLang="en-US" dirty="0"/>
+          </a:p>
+        </p:txBody>
+      </p:sp>
+    </p:spTree>
+    <p:extLst>
+      <p:ext uri="{BB962C8B-B14F-4D97-AF65-F5344CB8AC3E}">
+        <p14:creationId xmlns:p14="http://schemas.microsoft.com/office/powerpoint/2010/main" val="1158889109"/>
+      </p:ext>
+    </p:extLst>
+  </p:cSld>
+  <p:clrMapOvr>
+    <a:masterClrMapping/>
+  </p:clrMapOvr>
+</p:sld>
+</file>
+
+<file path=ppt/slides/slide26.xml><?xml version="1.0" encoding="utf-8"?>
+<p:sld xmlns:a="http://schemas.openxmlformats.org/drawingml/2006/main" xmlns:r="http://schemas.openxmlformats.org/officeDocument/2006/relationships" xmlns:p="http://schemas.openxmlformats.org/presentationml/2006/main">
+  <p:cSld>
+    <p:spTree>
+      <p:nvGrpSpPr>
+        <p:cNvPr id="1" name=""/>
+        <p:cNvGrpSpPr/>
+        <p:nvPr/>
+      </p:nvGrpSpPr>
+      <p:grpSpPr>
+        <a:xfrm>
+          <a:off x="0" y="0"/>
+          <a:ext cx="0" cy="0"/>
+          <a:chOff x="0" y="0"/>
+          <a:chExt cx="0" cy="0"/>
+        </a:xfrm>
+      </p:grpSpPr>
+      <p:sp>
+        <p:nvSpPr>
+          <p:cNvPr id="2" name="제목 1">
+            <a:extLst>
+              <a:ext uri="{FF2B5EF4-FFF2-40B4-BE49-F238E27FC236}">
+                <a16:creationId xmlns:a16="http://schemas.microsoft.com/office/drawing/2014/main" id="{B02AEB5A-058E-466C-9D94-369F5404E651}"/>
+              </a:ext>
+            </a:extLst>
+          </p:cNvPr>
+          <p:cNvSpPr>
+            <a:spLocks noGrp="1"/>
+          </p:cNvSpPr>
+          <p:nvPr>
+            <p:ph type="title"/>
+          </p:nvPr>
+        </p:nvSpPr>
+        <p:spPr/>
+        <p:txBody>
+          <a:bodyPr/>
+          <a:lstStyle/>
+          <a:p>
+            <a:r>
+              <a:rPr lang="ko-KR" altLang="en-US" dirty="0"/>
+              <a:t>열거형</a:t>
+            </a:r>
+          </a:p>
+        </p:txBody>
+      </p:sp>
+      <p:sp>
+        <p:nvSpPr>
+          <p:cNvPr id="4" name="TextBox 3">
+            <a:extLst>
+              <a:ext uri="{FF2B5EF4-FFF2-40B4-BE49-F238E27FC236}">
+                <a16:creationId xmlns:a16="http://schemas.microsoft.com/office/drawing/2014/main" id="{6D2F1A87-0507-485A-9C6D-391412C8BAF6}"/>
+              </a:ext>
+            </a:extLst>
+          </p:cNvPr>
+          <p:cNvSpPr txBox="1"/>
+          <p:nvPr/>
+        </p:nvSpPr>
+        <p:spPr>
+          <a:xfrm>
+            <a:off x="838200" y="1585176"/>
+            <a:ext cx="8258992" cy="646331"/>
+          </a:xfrm>
+          <a:prstGeom prst="rect">
+            <a:avLst/>
+          </a:prstGeom>
+          <a:noFill/>
+        </p:spPr>
+        <p:txBody>
+          <a:bodyPr wrap="none" rtlCol="0">
+            <a:spAutoFit/>
+          </a:bodyPr>
+          <a:lstStyle/>
+          <a:p>
+            <a:pPr marL="285750" indent="-285750">
+              <a:buFontTx/>
+              <a:buChar char="-"/>
+            </a:pPr>
+            <a:r>
+              <a:rPr lang="ko-KR" altLang="en-US" dirty="0"/>
+              <a:t>연속된 상수를 정의하고 싶을 때 사용</a:t>
+            </a:r>
+            <a:r>
+              <a:rPr lang="en-US" altLang="ko-KR" dirty="0"/>
+              <a:t>.</a:t>
+            </a:r>
+          </a:p>
+          <a:p>
+            <a:pPr marL="285750" indent="-285750">
+              <a:buFontTx/>
+              <a:buChar char="-"/>
+            </a:pPr>
+            <a:r>
+              <a:rPr lang="ko-KR" altLang="en-US" dirty="0"/>
+              <a:t>한정된 범위에 데이터만 넣고 싶을 때 </a:t>
+            </a:r>
+            <a:r>
+              <a:rPr lang="en-US" altLang="ko-KR" dirty="0"/>
+              <a:t>(</a:t>
+            </a:r>
+            <a:r>
+              <a:rPr lang="ko-KR" altLang="en-US" dirty="0"/>
+              <a:t>매우 안전</a:t>
+            </a:r>
+            <a:r>
+              <a:rPr lang="en-US" altLang="ko-KR" dirty="0"/>
+              <a:t>. </a:t>
+            </a:r>
+            <a:r>
+              <a:rPr lang="ko-KR" altLang="en-US" dirty="0"/>
+              <a:t>값의 범위가 예측 가능함</a:t>
+            </a:r>
+            <a:r>
+              <a:rPr lang="en-US" altLang="ko-KR" dirty="0"/>
+              <a:t>)</a:t>
+            </a:r>
+            <a:endParaRPr lang="ko-KR" altLang="en-US" dirty="0"/>
+          </a:p>
+        </p:txBody>
+      </p:sp>
+    </p:spTree>
+    <p:extLst>
+      <p:ext uri="{BB962C8B-B14F-4D97-AF65-F5344CB8AC3E}">
+        <p14:creationId xmlns:p14="http://schemas.microsoft.com/office/powerpoint/2010/main" val="3234675577"/>
+      </p:ext>
+    </p:extLst>
+  </p:cSld>
+  <p:clrMapOvr>
+    <a:masterClrMapping/>
+  </p:clrMapOvr>
+</p:sld>
+</file>
+
+<file path=ppt/slides/slide27.xml><?xml version="1.0" encoding="utf-8"?>
+<p:sld xmlns:a="http://schemas.openxmlformats.org/drawingml/2006/main" xmlns:r="http://schemas.openxmlformats.org/officeDocument/2006/relationships" xmlns:p="http://schemas.openxmlformats.org/presentationml/2006/main">
+  <p:cSld>
+    <p:spTree>
+      <p:nvGrpSpPr>
+        <p:cNvPr id="1" name=""/>
+        <p:cNvGrpSpPr/>
+        <p:nvPr/>
+      </p:nvGrpSpPr>
+      <p:grpSpPr>
+        <a:xfrm>
+          <a:off x="0" y="0"/>
+          <a:ext cx="0" cy="0"/>
+          <a:chOff x="0" y="0"/>
+          <a:chExt cx="0" cy="0"/>
+        </a:xfrm>
+      </p:grpSpPr>
+      <p:sp>
+        <p:nvSpPr>
+          <p:cNvPr id="2" name="제목 1">
+            <a:extLst>
+              <a:ext uri="{FF2B5EF4-FFF2-40B4-BE49-F238E27FC236}">
+                <a16:creationId xmlns:a16="http://schemas.microsoft.com/office/drawing/2014/main" id="{ECEF56DE-36D9-4672-B301-AE4C65C59BBF}"/>
+              </a:ext>
+            </a:extLst>
+          </p:cNvPr>
+          <p:cNvSpPr>
+            <a:spLocks noGrp="1"/>
+          </p:cNvSpPr>
+          <p:nvPr>
+            <p:ph type="title"/>
+          </p:nvPr>
+        </p:nvSpPr>
+        <p:spPr/>
+        <p:txBody>
+          <a:bodyPr/>
+          <a:lstStyle/>
+          <a:p>
+            <a:r>
+              <a:rPr lang="ko-KR" altLang="en-US" dirty="0"/>
+              <a:t>전처리기</a:t>
+            </a:r>
+          </a:p>
+        </p:txBody>
+      </p:sp>
+      <p:sp>
+        <p:nvSpPr>
+          <p:cNvPr id="3" name="내용 개체 틀 2">
+            <a:extLst>
+              <a:ext uri="{FF2B5EF4-FFF2-40B4-BE49-F238E27FC236}">
+                <a16:creationId xmlns:a16="http://schemas.microsoft.com/office/drawing/2014/main" id="{5179213F-15C5-4B44-B0F3-74DA97519D42}"/>
+              </a:ext>
+            </a:extLst>
+          </p:cNvPr>
+          <p:cNvSpPr>
+            <a:spLocks noGrp="1"/>
+          </p:cNvSpPr>
+          <p:nvPr>
+            <p:ph idx="1"/>
+          </p:nvPr>
+        </p:nvSpPr>
+        <p:spPr/>
+        <p:txBody>
+          <a:bodyPr/>
+          <a:lstStyle/>
+          <a:p>
+            <a:r>
+              <a:rPr lang="ko-KR" altLang="en-US" dirty="0"/>
+              <a:t>전처리기</a:t>
+            </a:r>
+            <a:r>
+              <a:rPr lang="en-US" altLang="ko-KR" dirty="0"/>
+              <a:t>(</a:t>
+            </a:r>
+            <a:r>
+              <a:rPr lang="en-US" altLang="ko-KR" dirty="0" err="1"/>
+              <a:t>preprocesser</a:t>
+            </a:r>
+            <a:r>
+              <a:rPr lang="en-US" altLang="ko-KR" dirty="0"/>
+              <a:t>)</a:t>
+            </a:r>
+            <a:r>
+              <a:rPr lang="ko-KR" altLang="en-US" dirty="0"/>
+              <a:t>는</a:t>
+            </a:r>
+            <a:r>
+              <a:rPr lang="en-US" altLang="ko-KR" dirty="0"/>
+              <a:t> </a:t>
+            </a:r>
+            <a:r>
+              <a:rPr lang="ko-KR" altLang="en-US" dirty="0"/>
+              <a:t>컴파일 이전에 실행되는 프로그램</a:t>
+            </a:r>
+            <a:endParaRPr lang="en-US" altLang="ko-KR" dirty="0"/>
+          </a:p>
+          <a:p>
+            <a:r>
+              <a:rPr lang="ko-KR" altLang="en-US" dirty="0"/>
+              <a:t>전처리기는 컴파일러가 실행되기 이전에 단순히 텍스트를 치환할 수도 있고</a:t>
+            </a:r>
+            <a:r>
+              <a:rPr lang="en-US" altLang="ko-KR" dirty="0"/>
+              <a:t>, </a:t>
+            </a:r>
+            <a:r>
+              <a:rPr lang="ko-KR" altLang="en-US" dirty="0"/>
+              <a:t>헤더 중복을 예방</a:t>
+            </a:r>
+            <a:r>
+              <a:rPr lang="en-US" altLang="ko-KR" dirty="0"/>
+              <a:t>…</a:t>
+            </a:r>
+          </a:p>
+          <a:p>
+            <a:r>
+              <a:rPr lang="ko-KR" altLang="en-US" dirty="0"/>
+              <a:t>대부분 앞에 </a:t>
+            </a:r>
+            <a:r>
+              <a:rPr lang="en-US" altLang="ko-KR" dirty="0"/>
+              <a:t>#</a:t>
+            </a:r>
+            <a:r>
+              <a:rPr lang="ko-KR" altLang="en-US" dirty="0"/>
+              <a:t>이 붙음</a:t>
+            </a:r>
+            <a:r>
+              <a:rPr lang="en-US" altLang="ko-KR" dirty="0"/>
+              <a:t>.</a:t>
+            </a:r>
+            <a:endParaRPr lang="ko-KR" altLang="en-US" dirty="0"/>
+          </a:p>
+        </p:txBody>
+      </p:sp>
+    </p:spTree>
+    <p:extLst>
+      <p:ext uri="{BB962C8B-B14F-4D97-AF65-F5344CB8AC3E}">
+        <p14:creationId xmlns:p14="http://schemas.microsoft.com/office/powerpoint/2010/main" val="3899004428"/>
+      </p:ext>
+    </p:extLst>
+  </p:cSld>
+  <p:clrMapOvr>
+    <a:masterClrMapping/>
+  </p:clrMapOvr>
+</p:sld>
+</file>
+
+<file path=ppt/slides/slide28.xml><?xml version="1.0" encoding="utf-8"?>
+<p:sld xmlns:a="http://schemas.openxmlformats.org/drawingml/2006/main" xmlns:r="http://schemas.openxmlformats.org/officeDocument/2006/relationships" xmlns:p="http://schemas.openxmlformats.org/presentationml/2006/main">
+  <p:cSld>
+    <p:spTree>
+      <p:nvGrpSpPr>
+        <p:cNvPr id="1" name=""/>
+        <p:cNvGrpSpPr/>
+        <p:nvPr/>
+      </p:nvGrpSpPr>
+      <p:grpSpPr>
+        <a:xfrm>
+          <a:off x="0" y="0"/>
+          <a:ext cx="0" cy="0"/>
+          <a:chOff x="0" y="0"/>
+          <a:chExt cx="0" cy="0"/>
+        </a:xfrm>
+      </p:grpSpPr>
+      <p:sp>
+        <p:nvSpPr>
+          <p:cNvPr id="2" name="제목 1">
+            <a:extLst>
+              <a:ext uri="{FF2B5EF4-FFF2-40B4-BE49-F238E27FC236}">
+                <a16:creationId xmlns:a16="http://schemas.microsoft.com/office/drawing/2014/main" id="{ECEF56DE-36D9-4672-B301-AE4C65C59BBF}"/>
+              </a:ext>
+            </a:extLst>
+          </p:cNvPr>
+          <p:cNvSpPr>
+            <a:spLocks noGrp="1"/>
+          </p:cNvSpPr>
+          <p:nvPr>
+            <p:ph type="title"/>
+          </p:nvPr>
+        </p:nvSpPr>
+        <p:spPr/>
+        <p:txBody>
+          <a:bodyPr/>
+          <a:lstStyle/>
+          <a:p>
+            <a:r>
+              <a:rPr lang="ko-KR" altLang="en-US" dirty="0"/>
+              <a:t>전처리기</a:t>
+            </a:r>
+          </a:p>
+        </p:txBody>
+      </p:sp>
+      <p:sp>
+        <p:nvSpPr>
+          <p:cNvPr id="3" name="내용 개체 틀 2">
+            <a:extLst>
+              <a:ext uri="{FF2B5EF4-FFF2-40B4-BE49-F238E27FC236}">
+                <a16:creationId xmlns:a16="http://schemas.microsoft.com/office/drawing/2014/main" id="{5179213F-15C5-4B44-B0F3-74DA97519D42}"/>
+              </a:ext>
+            </a:extLst>
+          </p:cNvPr>
+          <p:cNvSpPr>
+            <a:spLocks noGrp="1"/>
+          </p:cNvSpPr>
+          <p:nvPr>
+            <p:ph idx="1"/>
+          </p:nvPr>
+        </p:nvSpPr>
+        <p:spPr/>
+        <p:txBody>
+          <a:bodyPr/>
+          <a:lstStyle/>
+          <a:p>
+            <a:r>
+              <a:rPr lang="en-US" altLang="ko-KR" dirty="0"/>
+              <a:t>#</a:t>
+            </a:r>
+            <a:r>
+              <a:rPr lang="ko-KR" altLang="en-US" dirty="0"/>
+              <a:t>하면 떠오르는 것 중 유일한 것이 </a:t>
+            </a:r>
+            <a:r>
+              <a:rPr lang="en-US" altLang="ko-KR" dirty="0"/>
+              <a:t>#include</a:t>
+            </a:r>
+            <a:r>
+              <a:rPr lang="ko-KR" altLang="en-US" dirty="0"/>
+              <a:t> 일 것이다</a:t>
+            </a:r>
+            <a:r>
+              <a:rPr lang="en-US" altLang="ko-KR" dirty="0"/>
+              <a:t>.</a:t>
+            </a:r>
+          </a:p>
+          <a:p>
+            <a:r>
+              <a:rPr lang="en-US" altLang="ko-KR" dirty="0"/>
+              <a:t>#include</a:t>
+            </a:r>
+            <a:r>
+              <a:rPr lang="ko-KR" altLang="en-US" dirty="0"/>
+              <a:t>를 하면 전처리기는 포함된 파일의 내용을 해당 위치에 복사한다</a:t>
+            </a:r>
+            <a:r>
+              <a:rPr lang="en-US" altLang="ko-KR" dirty="0"/>
+              <a:t>.</a:t>
+            </a:r>
+          </a:p>
+          <a:p>
+            <a:endParaRPr lang="ko-KR" altLang="en-US" dirty="0"/>
+          </a:p>
+        </p:txBody>
+      </p:sp>
+    </p:spTree>
+    <p:extLst>
+      <p:ext uri="{BB962C8B-B14F-4D97-AF65-F5344CB8AC3E}">
+        <p14:creationId xmlns:p14="http://schemas.microsoft.com/office/powerpoint/2010/main" val="3702082177"/>
+      </p:ext>
+    </p:extLst>
+  </p:cSld>
+  <p:clrMapOvr>
+    <a:masterClrMapping/>
+  </p:clrMapOvr>
+</p:sld>
+</file>
+
+<file path=ppt/slides/slide29.xml><?xml version="1.0" encoding="utf-8"?>
+<p:sld xmlns:a="http://schemas.openxmlformats.org/drawingml/2006/main" xmlns:r="http://schemas.openxmlformats.org/officeDocument/2006/relationships" xmlns:p="http://schemas.openxmlformats.org/presentationml/2006/main">
+  <p:cSld>
+    <p:spTree>
+      <p:nvGrpSpPr>
+        <p:cNvPr id="1" name=""/>
+        <p:cNvGrpSpPr/>
+        <p:nvPr/>
+      </p:nvGrpSpPr>
+      <p:grpSpPr>
+        <a:xfrm>
+          <a:off x="0" y="0"/>
+          <a:ext cx="0" cy="0"/>
+          <a:chOff x="0" y="0"/>
+          <a:chExt cx="0" cy="0"/>
+        </a:xfrm>
+      </p:grpSpPr>
+      <p:sp>
+        <p:nvSpPr>
+          <p:cNvPr id="2" name="제목 1">
+            <a:extLst>
+              <a:ext uri="{FF2B5EF4-FFF2-40B4-BE49-F238E27FC236}">
+                <a16:creationId xmlns:a16="http://schemas.microsoft.com/office/drawing/2014/main" id="{ECEF56DE-36D9-4672-B301-AE4C65C59BBF}"/>
+              </a:ext>
+            </a:extLst>
+          </p:cNvPr>
+          <p:cNvSpPr>
+            <a:spLocks noGrp="1"/>
+          </p:cNvSpPr>
+          <p:nvPr>
+            <p:ph type="title"/>
+          </p:nvPr>
+        </p:nvSpPr>
+        <p:spPr/>
+        <p:txBody>
+          <a:bodyPr/>
+          <a:lstStyle/>
+          <a:p>
+            <a:r>
+              <a:rPr lang="ko-KR" altLang="en-US" dirty="0"/>
+              <a:t>매크로</a:t>
+            </a:r>
+          </a:p>
+        </p:txBody>
+      </p:sp>
+      <p:sp>
+        <p:nvSpPr>
+          <p:cNvPr id="3" name="내용 개체 틀 2">
+            <a:extLst>
+              <a:ext uri="{FF2B5EF4-FFF2-40B4-BE49-F238E27FC236}">
+                <a16:creationId xmlns:a16="http://schemas.microsoft.com/office/drawing/2014/main" id="{5179213F-15C5-4B44-B0F3-74DA97519D42}"/>
+              </a:ext>
+            </a:extLst>
+          </p:cNvPr>
+          <p:cNvSpPr>
+            <a:spLocks noGrp="1"/>
+          </p:cNvSpPr>
+          <p:nvPr>
+            <p:ph idx="1"/>
+          </p:nvPr>
+        </p:nvSpPr>
+        <p:spPr/>
+        <p:txBody>
+          <a:bodyPr/>
+          <a:lstStyle/>
+          <a:p>
+            <a:r>
+              <a:rPr lang="en-US" altLang="ko-KR" dirty="0"/>
+              <a:t>#define</a:t>
+            </a:r>
+          </a:p>
+          <a:p>
+            <a:endParaRPr lang="ko-KR" altLang="en-US" dirty="0"/>
+          </a:p>
+        </p:txBody>
+      </p:sp>
+      <p:pic>
+        <p:nvPicPr>
+          <p:cNvPr id="4" name="그림 3">
+            <a:extLst>
+              <a:ext uri="{FF2B5EF4-FFF2-40B4-BE49-F238E27FC236}">
+                <a16:creationId xmlns:a16="http://schemas.microsoft.com/office/drawing/2014/main" id="{214FD003-1261-4817-97A3-1F1F0E7F9B51}"/>
+              </a:ext>
+            </a:extLst>
+          </p:cNvPr>
+          <p:cNvPicPr>
+            <a:picLocks noChangeAspect="1"/>
+          </p:cNvPicPr>
+          <p:nvPr/>
+        </p:nvPicPr>
+        <p:blipFill>
+          <a:blip r:embed="rId2"/>
+          <a:stretch>
+            <a:fillRect/>
+          </a:stretch>
+        </p:blipFill>
+        <p:spPr>
+          <a:xfrm>
+            <a:off x="936511" y="2517248"/>
+            <a:ext cx="3705742" cy="1343212"/>
+          </a:xfrm>
+          <a:prstGeom prst="rect">
+            <a:avLst/>
+          </a:prstGeom>
+        </p:spPr>
+      </p:pic>
+      <p:sp>
+        <p:nvSpPr>
+          <p:cNvPr id="5" name="TextBox 4">
+            <a:extLst>
+              <a:ext uri="{FF2B5EF4-FFF2-40B4-BE49-F238E27FC236}">
+                <a16:creationId xmlns:a16="http://schemas.microsoft.com/office/drawing/2014/main" id="{0961838F-83E2-41F0-8EBD-40454E62A242}"/>
+              </a:ext>
+            </a:extLst>
+          </p:cNvPr>
+          <p:cNvSpPr txBox="1"/>
+          <p:nvPr/>
+        </p:nvSpPr>
+        <p:spPr>
+          <a:xfrm>
+            <a:off x="5264727" y="2761673"/>
+            <a:ext cx="3650358" cy="923330"/>
+          </a:xfrm>
+          <a:prstGeom prst="rect">
+            <a:avLst/>
+          </a:prstGeom>
+          <a:noFill/>
+        </p:spPr>
+        <p:txBody>
+          <a:bodyPr wrap="none" rtlCol="0">
+            <a:spAutoFit/>
+          </a:bodyPr>
+          <a:lstStyle/>
+          <a:p>
+            <a:r>
+              <a:rPr lang="ko-KR" altLang="en-US" dirty="0" err="1"/>
+              <a:t>컴파일할때</a:t>
+            </a:r>
+            <a:r>
+              <a:rPr lang="ko-KR" altLang="en-US" dirty="0"/>
+              <a:t> </a:t>
+            </a:r>
+            <a:r>
+              <a:rPr lang="en-US" altLang="ko-KR" dirty="0"/>
+              <a:t>MAX</a:t>
+            </a:r>
+            <a:r>
+              <a:rPr lang="ko-KR" altLang="en-US" dirty="0"/>
+              <a:t>는 </a:t>
+            </a:r>
+            <a:r>
+              <a:rPr lang="en-US" altLang="ko-KR" dirty="0"/>
+              <a:t>3</a:t>
+            </a:r>
+            <a:r>
+              <a:rPr lang="ko-KR" altLang="en-US" dirty="0"/>
+              <a:t>으로 대체됨</a:t>
+            </a:r>
+            <a:r>
+              <a:rPr lang="en-US" altLang="ko-KR" dirty="0"/>
+              <a:t>.</a:t>
+            </a:r>
+          </a:p>
+          <a:p>
+            <a:endParaRPr lang="en-US" altLang="ko-KR" dirty="0"/>
+          </a:p>
+          <a:p>
+            <a:r>
+              <a:rPr lang="en-US" altLang="ko-KR" dirty="0"/>
+              <a:t>MAX</a:t>
+            </a:r>
+            <a:r>
+              <a:rPr lang="ko-KR" altLang="en-US" dirty="0"/>
+              <a:t>는 </a:t>
+            </a:r>
+            <a:r>
+              <a:rPr lang="en-US" altLang="ko-KR" dirty="0"/>
+              <a:t>HELLO</a:t>
+            </a:r>
+            <a:r>
+              <a:rPr lang="ko-KR" altLang="en-US" dirty="0"/>
+              <a:t>로 대체됨</a:t>
+            </a:r>
+            <a:r>
+              <a:rPr lang="en-US" altLang="ko-KR" dirty="0"/>
+              <a:t>.</a:t>
+            </a:r>
+            <a:endParaRPr lang="ko-KR" altLang="en-US" dirty="0"/>
+          </a:p>
+        </p:txBody>
+      </p:sp>
+      <p:pic>
+        <p:nvPicPr>
+          <p:cNvPr id="7" name="그림 6">
+            <a:extLst>
+              <a:ext uri="{FF2B5EF4-FFF2-40B4-BE49-F238E27FC236}">
+                <a16:creationId xmlns:a16="http://schemas.microsoft.com/office/drawing/2014/main" id="{3824DAB6-0E2C-4FEB-BB87-FFB4D60D88F5}"/>
+              </a:ext>
+            </a:extLst>
+          </p:cNvPr>
+          <p:cNvPicPr>
+            <a:picLocks noChangeAspect="1"/>
+          </p:cNvPicPr>
+          <p:nvPr/>
+        </p:nvPicPr>
+        <p:blipFill>
+          <a:blip r:embed="rId3"/>
+          <a:stretch>
+            <a:fillRect/>
+          </a:stretch>
+        </p:blipFill>
+        <p:spPr>
+          <a:xfrm>
+            <a:off x="1032976" y="4890924"/>
+            <a:ext cx="2829320" cy="581106"/>
+          </a:xfrm>
+          <a:prstGeom prst="rect">
+            <a:avLst/>
+          </a:prstGeom>
+        </p:spPr>
+      </p:pic>
+      <p:sp>
+        <p:nvSpPr>
+          <p:cNvPr id="8" name="TextBox 7">
+            <a:extLst>
+              <a:ext uri="{FF2B5EF4-FFF2-40B4-BE49-F238E27FC236}">
+                <a16:creationId xmlns:a16="http://schemas.microsoft.com/office/drawing/2014/main" id="{08D48639-D643-47DA-8765-FC34F80D39DD}"/>
+              </a:ext>
+            </a:extLst>
+          </p:cNvPr>
+          <p:cNvSpPr txBox="1"/>
+          <p:nvPr/>
+        </p:nvSpPr>
+        <p:spPr>
+          <a:xfrm>
+            <a:off x="4821382" y="5181477"/>
+            <a:ext cx="6244017" cy="369332"/>
+          </a:xfrm>
+          <a:prstGeom prst="rect">
+            <a:avLst/>
+          </a:prstGeom>
+          <a:noFill/>
+        </p:spPr>
+        <p:txBody>
+          <a:bodyPr wrap="none" rtlCol="0">
+            <a:spAutoFit/>
+          </a:bodyPr>
+          <a:lstStyle/>
+          <a:p>
+            <a:r>
+              <a:rPr lang="ko-KR" altLang="en-US" dirty="0" err="1"/>
+              <a:t>이런식으로</a:t>
+            </a:r>
+            <a:r>
+              <a:rPr lang="ko-KR" altLang="en-US" dirty="0"/>
+              <a:t> 코드를 짤 수 있고</a:t>
+            </a:r>
+            <a:r>
+              <a:rPr lang="en-US" altLang="ko-KR" dirty="0"/>
+              <a:t>, </a:t>
+            </a:r>
+            <a:r>
+              <a:rPr lang="ko-KR" altLang="en-US" dirty="0" err="1"/>
+              <a:t>컴파일할때</a:t>
+            </a:r>
+            <a:r>
+              <a:rPr lang="ko-KR" altLang="en-US" dirty="0"/>
+              <a:t> </a:t>
+            </a:r>
+            <a:r>
+              <a:rPr lang="en-US" altLang="ko-KR" dirty="0"/>
+              <a:t>3</a:t>
+            </a:r>
+            <a:r>
+              <a:rPr lang="ko-KR" altLang="en-US" dirty="0"/>
+              <a:t>으로 치환된다</a:t>
+            </a:r>
+            <a:r>
+              <a:rPr lang="en-US" altLang="ko-KR" dirty="0"/>
+              <a:t>.</a:t>
+            </a:r>
+            <a:endParaRPr lang="ko-KR" altLang="en-US" dirty="0"/>
+          </a:p>
+        </p:txBody>
+      </p:sp>
+    </p:spTree>
+    <p:extLst>
+      <p:ext uri="{BB962C8B-B14F-4D97-AF65-F5344CB8AC3E}">
+        <p14:creationId xmlns:p14="http://schemas.microsoft.com/office/powerpoint/2010/main" val="1054874110"/>
+      </p:ext>
+    </p:extLst>
+  </p:cSld>
+  <p:clrMapOvr>
+    <a:masterClrMapping/>
+  </p:clrMapOvr>
+</p:sld>
+</file>
+
 <file path=ppt/slides/slide3.xml><?xml version="1.0" encoding="utf-8"?>
 <p:sld xmlns:a="http://schemas.openxmlformats.org/drawingml/2006/main" xmlns:r="http://schemas.openxmlformats.org/officeDocument/2006/relationships" xmlns:p="http://schemas.openxmlformats.org/presentationml/2006/main">
   <p:cSld>
@@ -6956,6 +9036,103 @@
     <p:extLst>
       <p:ext uri="{BB962C8B-B14F-4D97-AF65-F5344CB8AC3E}">
         <p14:creationId xmlns:p14="http://schemas.microsoft.com/office/powerpoint/2010/main" val="1806964628"/>
+      </p:ext>
+    </p:extLst>
+  </p:cSld>
+  <p:clrMapOvr>
+    <a:masterClrMapping/>
+  </p:clrMapOvr>
+</p:sld>
+</file>
+
+<file path=ppt/slides/slide30.xml><?xml version="1.0" encoding="utf-8"?>
+<p:sld xmlns:a="http://schemas.openxmlformats.org/drawingml/2006/main" xmlns:r="http://schemas.openxmlformats.org/officeDocument/2006/relationships" xmlns:p="http://schemas.openxmlformats.org/presentationml/2006/main">
+  <p:cSld>
+    <p:spTree>
+      <p:nvGrpSpPr>
+        <p:cNvPr id="1" name=""/>
+        <p:cNvGrpSpPr/>
+        <p:nvPr/>
+      </p:nvGrpSpPr>
+      <p:grpSpPr>
+        <a:xfrm>
+          <a:off x="0" y="0"/>
+          <a:ext cx="0" cy="0"/>
+          <a:chOff x="0" y="0"/>
+          <a:chExt cx="0" cy="0"/>
+        </a:xfrm>
+      </p:grpSpPr>
+      <p:sp>
+        <p:nvSpPr>
+          <p:cNvPr id="2" name="제목 1">
+            <a:extLst>
+              <a:ext uri="{FF2B5EF4-FFF2-40B4-BE49-F238E27FC236}">
+                <a16:creationId xmlns:a16="http://schemas.microsoft.com/office/drawing/2014/main" id="{ECEF56DE-36D9-4672-B301-AE4C65C59BBF}"/>
+              </a:ext>
+            </a:extLst>
+          </p:cNvPr>
+          <p:cNvSpPr>
+            <a:spLocks noGrp="1"/>
+          </p:cNvSpPr>
+          <p:nvPr>
+            <p:ph type="title"/>
+          </p:nvPr>
+        </p:nvSpPr>
+        <p:spPr/>
+        <p:txBody>
+          <a:bodyPr/>
+          <a:lstStyle/>
+          <a:p>
+            <a:r>
+              <a:rPr lang="ko-KR" altLang="en-US" dirty="0"/>
+              <a:t>매크로</a:t>
+            </a:r>
+          </a:p>
+        </p:txBody>
+      </p:sp>
+      <p:sp>
+        <p:nvSpPr>
+          <p:cNvPr id="3" name="내용 개체 틀 2">
+            <a:extLst>
+              <a:ext uri="{FF2B5EF4-FFF2-40B4-BE49-F238E27FC236}">
+                <a16:creationId xmlns:a16="http://schemas.microsoft.com/office/drawing/2014/main" id="{5179213F-15C5-4B44-B0F3-74DA97519D42}"/>
+              </a:ext>
+            </a:extLst>
+          </p:cNvPr>
+          <p:cNvSpPr>
+            <a:spLocks noGrp="1"/>
+          </p:cNvSpPr>
+          <p:nvPr>
+            <p:ph idx="1"/>
+          </p:nvPr>
+        </p:nvSpPr>
+        <p:spPr/>
+        <p:txBody>
+          <a:bodyPr/>
+          <a:lstStyle/>
+          <a:p>
+            <a:r>
+              <a:rPr lang="en-US" altLang="ko-KR" dirty="0"/>
+              <a:t>#define </a:t>
+            </a:r>
+            <a:r>
+              <a:rPr lang="ko-KR" altLang="en-US" dirty="0"/>
+              <a:t>왜 쓸까</a:t>
+            </a:r>
+            <a:r>
+              <a:rPr lang="en-US" altLang="ko-KR" dirty="0"/>
+              <a:t>?</a:t>
+            </a:r>
+          </a:p>
+          <a:p>
+            <a:endParaRPr lang="ko-KR" altLang="en-US" dirty="0"/>
+          </a:p>
+        </p:txBody>
+      </p:sp>
+    </p:spTree>
+    <p:extLst>
+      <p:ext uri="{BB962C8B-B14F-4D97-AF65-F5344CB8AC3E}">
+        <p14:creationId xmlns:p14="http://schemas.microsoft.com/office/powerpoint/2010/main" val="2511589929"/>
       </p:ext>
     </p:extLst>
   </p:cSld>
@@ -8379,9 +10556,12 @@
 </file>
 
 <file path=customXml/item1.xml><?xml version="1.0" encoding="utf-8"?>
-<p:properties xmlns:p="http://schemas.microsoft.com/office/2006/metadata/properties" xmlns:xsi="http://www.w3.org/2001/XMLSchema-instance" xmlns:pc="http://schemas.microsoft.com/office/infopath/2007/PartnerControls">
-  <documentManagement/>
-</p:properties>
+<?mso-contentType ?>
+<FormTemplates xmlns="http://schemas.microsoft.com/sharepoint/v3/contenttype/forms">
+  <Display>DocumentLibraryForm</Display>
+  <Edit>DocumentLibraryForm</Edit>
+  <New>DocumentLibraryForm</New>
+</FormTemplates>
 </file>
 
 <file path=customXml/item2.xml><?xml version="1.0" encoding="utf-8"?>
@@ -8531,26 +10711,15 @@
 </file>
 
 <file path=customXml/item3.xml><?xml version="1.0" encoding="utf-8"?>
-<?mso-contentType ?>
-<FormTemplates xmlns="http://schemas.microsoft.com/sharepoint/v3/contenttype/forms">
-  <Display>DocumentLibraryForm</Display>
-  <Edit>DocumentLibraryForm</Edit>
-  <New>DocumentLibraryForm</New>
-</FormTemplates>
+<p:properties xmlns:p="http://schemas.microsoft.com/office/2006/metadata/properties" xmlns:xsi="http://www.w3.org/2001/XMLSchema-instance" xmlns:pc="http://schemas.microsoft.com/office/infopath/2007/PartnerControls">
+  <documentManagement/>
+</p:properties>
 </file>
 
 <file path=customXml/itemProps1.xml><?xml version="1.0" encoding="utf-8"?>
-<ds:datastoreItem xmlns:ds="http://schemas.openxmlformats.org/officeDocument/2006/customXml" ds:itemID="{16856703-190A-4B95-925F-4A2001915412}">
+<ds:datastoreItem xmlns:ds="http://schemas.openxmlformats.org/officeDocument/2006/customXml" ds:itemID="{BB90B849-4BE3-42CC-ABBA-B95D277585C2}">
   <ds:schemaRefs>
-    <ds:schemaRef ds:uri="http://schemas.microsoft.com/office/infopath/2007/PartnerControls"/>
-    <ds:schemaRef ds:uri="http://schemas.microsoft.com/office/2006/documentManagement/types"/>
-    <ds:schemaRef ds:uri="http://purl.org/dc/dcmitype/"/>
-    <ds:schemaRef ds:uri="http://purl.org/dc/terms/"/>
-    <ds:schemaRef ds:uri="93145c6e-ff74-4d70-bb19-814d5c3758f5"/>
-    <ds:schemaRef ds:uri="http://schemas.microsoft.com/office/2006/metadata/properties"/>
-    <ds:schemaRef ds:uri="http://schemas.openxmlformats.org/package/2006/metadata/core-properties"/>
-    <ds:schemaRef ds:uri="http://www.w3.org/XML/1998/namespace"/>
-    <ds:schemaRef ds:uri="http://purl.org/dc/elements/1.1/"/>
+    <ds:schemaRef ds:uri="http://schemas.microsoft.com/sharepoint/v3/contenttype/forms"/>
   </ds:schemaRefs>
 </ds:datastoreItem>
 </file>
@@ -8574,9 +10743,17 @@
 </file>
 
 <file path=customXml/itemProps3.xml><?xml version="1.0" encoding="utf-8"?>
-<ds:datastoreItem xmlns:ds="http://schemas.openxmlformats.org/officeDocument/2006/customXml" ds:itemID="{BB90B849-4BE3-42CC-ABBA-B95D277585C2}">
+<ds:datastoreItem xmlns:ds="http://schemas.openxmlformats.org/officeDocument/2006/customXml" ds:itemID="{16856703-190A-4B95-925F-4A2001915412}">
   <ds:schemaRefs>
-    <ds:schemaRef ds:uri="http://schemas.microsoft.com/sharepoint/v3/contenttype/forms"/>
+    <ds:schemaRef ds:uri="http://www.w3.org/XML/1998/namespace"/>
+    <ds:schemaRef ds:uri="http://purl.org/dc/elements/1.1/"/>
+    <ds:schemaRef ds:uri="http://schemas.openxmlformats.org/package/2006/metadata/core-properties"/>
+    <ds:schemaRef ds:uri="http://schemas.microsoft.com/office/2006/documentManagement/types"/>
+    <ds:schemaRef ds:uri="http://schemas.microsoft.com/office/infopath/2007/PartnerControls"/>
+    <ds:schemaRef ds:uri="93145c6e-ff74-4d70-bb19-814d5c3758f5"/>
+    <ds:schemaRef ds:uri="http://purl.org/dc/dcmitype/"/>
+    <ds:schemaRef ds:uri="http://schemas.microsoft.com/office/2006/metadata/properties"/>
+    <ds:schemaRef ds:uri="http://purl.org/dc/terms/"/>
   </ds:schemaRefs>
 </ds:datastoreItem>
 </file>